--- a/BELGHAZI_SEDDIK_5_presentation_072023.pptx
+++ b/BELGHAZI_SEDDIK_5_presentation_072023.pptx
@@ -5,7 +5,7 @@
     <p:sldMasterId id="2147483648" r:id="rId1"/>
   </p:sldMasterIdLst>
   <p:notesMasterIdLst>
-    <p:notesMasterId r:id="rId26"/>
+    <p:notesMasterId r:id="rId27"/>
   </p:notesMasterIdLst>
   <p:sldIdLst>
     <p:sldId id="257" r:id="rId2"/>
@@ -24,14 +24,15 @@
     <p:sldId id="281" r:id="rId15"/>
     <p:sldId id="274" r:id="rId16"/>
     <p:sldId id="275" r:id="rId17"/>
-    <p:sldId id="287" r:id="rId18"/>
-    <p:sldId id="288" r:id="rId19"/>
-    <p:sldId id="279" r:id="rId20"/>
-    <p:sldId id="280" r:id="rId21"/>
-    <p:sldId id="284" r:id="rId22"/>
-    <p:sldId id="285" r:id="rId23"/>
-    <p:sldId id="295" r:id="rId24"/>
-    <p:sldId id="291" r:id="rId25"/>
+    <p:sldId id="296" r:id="rId18"/>
+    <p:sldId id="287" r:id="rId19"/>
+    <p:sldId id="288" r:id="rId20"/>
+    <p:sldId id="279" r:id="rId21"/>
+    <p:sldId id="280" r:id="rId22"/>
+    <p:sldId id="284" r:id="rId23"/>
+    <p:sldId id="285" r:id="rId24"/>
+    <p:sldId id="295" r:id="rId25"/>
+    <p:sldId id="291" r:id="rId26"/>
   </p:sldIdLst>
   <p:sldSz cx="9144000" cy="5149850"/>
   <p:notesSz cx="9144000" cy="5149850"/>
@@ -5916,7 +5917,7 @@
           <a:p>
             <a:fld id="{6FCE60CF-78AD-4089-AEDC-A7791BA418B1}" type="datetimeFigureOut">
               <a:rPr lang="en-US" smtClean="0"/>
-              <a:t>8/3/2023</a:t>
+              <a:t>8/4/2023</a:t>
             </a:fld>
             <a:endParaRPr lang="en-US"/>
           </a:p>
@@ -8079,14 +8080,14 @@
           <p:nvPr>
             <p:extLst>
               <p:ext uri="{D42A27DB-BD31-4B8C-83A1-F6EECF244321}">
-                <p14:modId xmlns:p14="http://schemas.microsoft.com/office/powerpoint/2010/main" val="2088650623"/>
+                <p14:modId xmlns:p14="http://schemas.microsoft.com/office/powerpoint/2010/main" val="3858931940"/>
               </p:ext>
             </p:extLst>
           </p:nvPr>
         </p:nvGraphicFramePr>
         <p:xfrm>
-          <a:off x="347216" y="1723398"/>
-          <a:ext cx="8449564" cy="1703053"/>
+          <a:off x="351853" y="1310106"/>
+          <a:ext cx="8449564" cy="2764899"/>
         </p:xfrm>
         <a:graphic>
           <a:graphicData uri="http://schemas.openxmlformats.org/drawingml/2006/table">
@@ -8229,7 +8230,7 @@
                   </a:ext>
                 </a:extLst>
               </a:tr>
-              <a:tr h="577724">
+              <a:tr h="771116">
                 <a:tc>
                   <a:txBody>
                     <a:bodyPr/>
@@ -8304,6 +8305,160 @@
                     <a:bodyPr/>
                     <a:lstStyle/>
                     <a:p>
+                      <a:pPr marL="248920" marR="751205" indent="-171450">
+                        <a:lnSpc>
+                          <a:spcPts val="1380"/>
+                        </a:lnSpc>
+                        <a:spcBef>
+                          <a:spcPts val="50"/>
+                        </a:spcBef>
+                        <a:buFont typeface="Arial" panose="020B0604020202020204" pitchFamily="34" charset="0"/>
+                        <a:buChar char="•"/>
+                      </a:pPr>
+                      <a:r>
+                        <a:rPr lang="fr-FR" sz="1200" spc="-10" dirty="0">
+                          <a:solidFill>
+                            <a:schemeClr val="tx1"/>
+                          </a:solidFill>
+                          <a:latin typeface="Courier New" panose="02070309020205020404" pitchFamily="49" charset="0"/>
+                          <a:ea typeface="+mn-ea"/>
+                          <a:cs typeface="Courier New" panose="02070309020205020404" pitchFamily="49" charset="0"/>
+                        </a:rPr>
+                        <a:t>On choisit le modèle </a:t>
+                      </a:r>
+                      <a:r>
+                        <a:rPr lang="fr-FR" sz="1200" b="1" spc="-10" dirty="0" err="1">
+                          <a:solidFill>
+                            <a:schemeClr val="tx1"/>
+                          </a:solidFill>
+                          <a:latin typeface="Courier New" panose="02070309020205020404" pitchFamily="49" charset="0"/>
+                          <a:ea typeface="+mn-ea"/>
+                          <a:cs typeface="Courier New" panose="02070309020205020404" pitchFamily="49" charset="0"/>
+                        </a:rPr>
+                        <a:t>TruncatedSVD</a:t>
+                      </a:r>
+                      <a:r>
+                        <a:rPr lang="fr-FR" sz="1200" spc="-10" dirty="0">
+                          <a:solidFill>
+                            <a:schemeClr val="tx1"/>
+                          </a:solidFill>
+                          <a:latin typeface="Courier New" panose="02070309020205020404" pitchFamily="49" charset="0"/>
+                          <a:ea typeface="+mn-ea"/>
+                          <a:cs typeface="Courier New" panose="02070309020205020404" pitchFamily="49" charset="0"/>
+                        </a:rPr>
+                        <a:t> plutôt que l’ACP dont l’implémentation ne supporte pas les </a:t>
+                      </a:r>
+                      <a:r>
+                        <a:rPr lang="fr-FR" sz="1200" spc="-10" dirty="0" err="1">
+                          <a:solidFill>
+                            <a:schemeClr val="tx1"/>
+                          </a:solidFill>
+                          <a:latin typeface="Courier New" panose="02070309020205020404" pitchFamily="49" charset="0"/>
+                          <a:ea typeface="+mn-ea"/>
+                          <a:cs typeface="Courier New" panose="02070309020205020404" pitchFamily="49" charset="0"/>
+                        </a:rPr>
+                        <a:t>features</a:t>
+                      </a:r>
+                      <a:r>
+                        <a:rPr lang="fr-FR" sz="1200" spc="-10" dirty="0">
+                          <a:solidFill>
+                            <a:schemeClr val="tx1"/>
+                          </a:solidFill>
+                          <a:latin typeface="Courier New" panose="02070309020205020404" pitchFamily="49" charset="0"/>
+                          <a:ea typeface="+mn-ea"/>
+                          <a:cs typeface="Courier New" panose="02070309020205020404" pitchFamily="49" charset="0"/>
+                        </a:rPr>
+                        <a:t> </a:t>
+                      </a:r>
+                      <a:r>
+                        <a:rPr lang="fr-FR" sz="1200" spc="-10" dirty="0" err="1">
+                          <a:solidFill>
+                            <a:schemeClr val="tx1"/>
+                          </a:solidFill>
+                          <a:latin typeface="Courier New" panose="02070309020205020404" pitchFamily="49" charset="0"/>
+                          <a:ea typeface="+mn-ea"/>
+                          <a:cs typeface="Courier New" panose="02070309020205020404" pitchFamily="49" charset="0"/>
+                        </a:rPr>
+                        <a:t>sparses</a:t>
+                      </a:r>
+                      <a:r>
+                        <a:rPr lang="fr-FR" sz="1200" spc="-10" dirty="0">
+                          <a:solidFill>
+                            <a:schemeClr val="tx1"/>
+                          </a:solidFill>
+                          <a:latin typeface="Courier New" panose="02070309020205020404" pitchFamily="49" charset="0"/>
+                          <a:ea typeface="+mn-ea"/>
+                          <a:cs typeface="Courier New" panose="02070309020205020404" pitchFamily="49" charset="0"/>
+                        </a:rPr>
+                        <a:t>.</a:t>
+                      </a:r>
+                    </a:p>
+                    <a:p>
+                      <a:pPr marL="77470" marR="751205" indent="0">
+                        <a:lnSpc>
+                          <a:spcPts val="1380"/>
+                        </a:lnSpc>
+                        <a:spcBef>
+                          <a:spcPts val="50"/>
+                        </a:spcBef>
+                        <a:buFont typeface="Arial" panose="020B0604020202020204" pitchFamily="34" charset="0"/>
+                        <a:buNone/>
+                      </a:pPr>
+                      <a:endParaRPr lang="fr-FR" sz="1200" spc="-10" dirty="0">
+                        <a:solidFill>
+                          <a:schemeClr val="tx1"/>
+                        </a:solidFill>
+                        <a:latin typeface="Courier New" panose="02070309020205020404" pitchFamily="49" charset="0"/>
+                        <a:ea typeface="+mn-ea"/>
+                        <a:cs typeface="Courier New" panose="02070309020205020404" pitchFamily="49" charset="0"/>
+                      </a:endParaRPr>
+                    </a:p>
+                    <a:p>
+                      <a:pPr marL="248920" marR="751205" indent="-171450">
+                        <a:lnSpc>
+                          <a:spcPts val="1380"/>
+                        </a:lnSpc>
+                        <a:spcBef>
+                          <a:spcPts val="50"/>
+                        </a:spcBef>
+                        <a:buFont typeface="Arial" panose="020B0604020202020204" pitchFamily="34" charset="0"/>
+                        <a:buChar char="•"/>
+                      </a:pPr>
+                      <a:r>
+                        <a:rPr lang="en-US" sz="1200" b="1" spc="-10" dirty="0">
+                          <a:solidFill>
+                            <a:schemeClr val="tx1"/>
+                          </a:solidFill>
+                          <a:latin typeface="Courier New" panose="02070309020205020404" pitchFamily="49" charset="0"/>
+                          <a:ea typeface="+mn-ea"/>
+                          <a:cs typeface="Courier New" panose="02070309020205020404" pitchFamily="49" charset="0"/>
+                        </a:rPr>
+                        <a:t>t-SNE</a:t>
+                      </a:r>
+                      <a:r>
+                        <a:rPr lang="en-US" sz="1200" spc="-10" dirty="0">
+                          <a:solidFill>
+                            <a:schemeClr val="tx1"/>
+                          </a:solidFill>
+                          <a:latin typeface="Courier New" panose="02070309020205020404" pitchFamily="49" charset="0"/>
+                          <a:ea typeface="+mn-ea"/>
+                          <a:cs typeface="Courier New" panose="02070309020205020404" pitchFamily="49" charset="0"/>
+                        </a:rPr>
+                        <a:t> (t-distributed stochastic neighbor embedding)</a:t>
+                      </a:r>
+                      <a:r>
+                        <a:rPr lang="fr-FR" sz="1200" spc="-10" dirty="0">
+                          <a:solidFill>
+                            <a:schemeClr val="tx1"/>
+                          </a:solidFill>
+                          <a:latin typeface="Courier New" panose="02070309020205020404" pitchFamily="49" charset="0"/>
+                          <a:ea typeface="+mn-ea"/>
+                          <a:cs typeface="Courier New" panose="02070309020205020404" pitchFamily="49" charset="0"/>
+                        </a:rPr>
+                        <a:t> visualiser des données de haute dimension dans un espace de dimension inférieure</a:t>
+                      </a:r>
+                    </a:p>
+                    <a:p>
                       <a:pPr marL="77470" marR="751205">
                         <a:lnSpc>
                           <a:spcPts val="1380"/>
@@ -8312,28 +8467,14 @@
                           <a:spcPts val="50"/>
                         </a:spcBef>
                       </a:pPr>
-                      <a:r>
-                        <a:rPr lang="en-US" sz="1200" spc="-10" dirty="0" err="1">
-                          <a:solidFill>
-                            <a:schemeClr val="tx1"/>
-                          </a:solidFill>
-                          <a:latin typeface="Courier New" panose="02070309020205020404" pitchFamily="49" charset="0"/>
-                          <a:ea typeface="+mn-ea"/>
-                          <a:cs typeface="Courier New" panose="02070309020205020404" pitchFamily="49" charset="0"/>
-                        </a:rPr>
-                        <a:t>Réduction</a:t>
-                      </a:r>
-                      <a:r>
-                        <a:rPr lang="en-US" sz="1200" spc="-10" dirty="0">
-                          <a:solidFill>
-                            <a:schemeClr val="tx1"/>
-                          </a:solidFill>
-                          <a:latin typeface="Courier New" panose="02070309020205020404" pitchFamily="49" charset="0"/>
-                          <a:ea typeface="+mn-ea"/>
-                          <a:cs typeface="Courier New" panose="02070309020205020404" pitchFamily="49" charset="0"/>
-                        </a:rPr>
-                        <a:t> par ACP  </a:t>
-                      </a:r>
+                      <a:endParaRPr lang="en-US" sz="1200" spc="-10" dirty="0">
+                        <a:solidFill>
+                          <a:schemeClr val="tx1"/>
+                        </a:solidFill>
+                        <a:latin typeface="Courier New" panose="02070309020205020404" pitchFamily="49" charset="0"/>
+                        <a:ea typeface="+mn-ea"/>
+                        <a:cs typeface="Courier New" panose="02070309020205020404" pitchFamily="49" charset="0"/>
+                      </a:endParaRPr>
                     </a:p>
                   </a:txBody>
                   <a:tcPr marL="0" marR="0" marT="0" marB="0" anchor="ctr">
@@ -8945,7 +9086,7 @@
           <p:nvPr>
             <p:extLst>
               <p:ext uri="{D42A27DB-BD31-4B8C-83A1-F6EECF244321}">
-                <p14:modId xmlns:p14="http://schemas.microsoft.com/office/powerpoint/2010/main" val="1768778674"/>
+                <p14:modId xmlns:p14="http://schemas.microsoft.com/office/powerpoint/2010/main" val="289169213"/>
               </p:ext>
             </p:extLst>
           </p:nvPr>
@@ -9222,7 +9363,7 @@
                           <a:ea typeface="+mn-ea"/>
                           <a:cs typeface="Courier New" panose="02070309020205020404" pitchFamily="49" charset="0"/>
                         </a:rPr>
-                        <a:t>Les "n-grammes :Groupes de mots contigus utilisés pour capturer le sens et la signification du texte de manière contextuelle.</a:t>
+                        <a:t>Les n-grammes  :Groupes de mots contigus utilisés pour capturer le sens et la signification du texte de manière contextuelle.</a:t>
                       </a:r>
                     </a:p>
                   </a:txBody>
@@ -12095,7 +12236,7 @@
           <p:nvPr>
             <p:extLst>
               <p:ext uri="{D42A27DB-BD31-4B8C-83A1-F6EECF244321}">
-                <p14:modId xmlns:p14="http://schemas.microsoft.com/office/powerpoint/2010/main" val="2820248596"/>
+                <p14:modId xmlns:p14="http://schemas.microsoft.com/office/powerpoint/2010/main" val="2082344784"/>
               </p:ext>
             </p:extLst>
           </p:nvPr>
@@ -12491,7 +12632,7 @@
                           <a:latin typeface="Courier New" panose="02070309020205020404" pitchFamily="49" charset="0"/>
                           <a:cs typeface="Courier New" panose="02070309020205020404" pitchFamily="49" charset="0"/>
                         </a:rPr>
-                        <a:t>Empty Tags</a:t>
+                        <a:t>Accuracy</a:t>
                       </a:r>
                     </a:p>
                   </a:txBody>
@@ -12541,15 +12682,11 @@
                         </a:tabLst>
                       </a:pPr>
                       <a:r>
-                        <a:rPr lang="fr-FR" sz="1200" spc="-10" dirty="0">
-                          <a:solidFill>
-                            <a:schemeClr val="tx1"/>
-                          </a:solidFill>
+                        <a:rPr lang="fr-FR" sz="1200" dirty="0">
                           <a:latin typeface="Courier New" panose="02070309020205020404" pitchFamily="49" charset="0"/>
-                          <a:ea typeface="+mn-ea"/>
                           <a:cs typeface="Courier New" panose="02070309020205020404" pitchFamily="49" charset="0"/>
                         </a:rPr>
-                        <a:t>Une évaluation pour les tags prédits vides (c'est-à-dire lorsqu'aucun tag n'est prédit pour un exemple de texte).</a:t>
+                        <a:t>Mesure la proportion de prédictions correctes par rapport au total des prédictions effectuées.</a:t>
                       </a:r>
                       <a:endParaRPr sz="1200" dirty="0">
                         <a:latin typeface="Courier New" panose="02070309020205020404" pitchFamily="49" charset="0"/>
@@ -13125,14 +13262,14 @@
           <p:nvPr>
             <p:extLst>
               <p:ext uri="{D42A27DB-BD31-4B8C-83A1-F6EECF244321}">
-                <p14:modId xmlns:p14="http://schemas.microsoft.com/office/powerpoint/2010/main" val="3592324530"/>
+                <p14:modId xmlns:p14="http://schemas.microsoft.com/office/powerpoint/2010/main" val="1428600145"/>
               </p:ext>
             </p:extLst>
           </p:nvPr>
         </p:nvGraphicFramePr>
         <p:xfrm>
           <a:off x="341308" y="1082611"/>
-          <a:ext cx="8116892" cy="2630542"/>
+          <a:ext cx="8116892" cy="2789927"/>
         </p:xfrm>
         <a:graphic>
           <a:graphicData uri="http://schemas.openxmlformats.org/drawingml/2006/table">
@@ -13622,7 +13759,7 @@
                           <a:latin typeface="Courier New" panose="02070309020205020404" pitchFamily="49" charset="0"/>
                           <a:cs typeface="Courier New" panose="02070309020205020404" pitchFamily="49" charset="0"/>
                         </a:rPr>
-                        <a:t>2.84% </a:t>
+                        <a:t>0.48</a:t>
                       </a:r>
                     </a:p>
                   </a:txBody>
@@ -13859,7 +13996,7 @@
                           <a:ea typeface="+mn-ea"/>
                           <a:cs typeface="Courier New" panose="02070309020205020404" pitchFamily="49" charset="0"/>
                         </a:rPr>
-                        <a:t>29 minutes </a:t>
+                        <a:t>416 secondes</a:t>
                       </a:r>
                     </a:p>
                   </a:txBody>
@@ -14012,7 +14149,7 @@
                           <a:latin typeface="Courier New" panose="02070309020205020404" pitchFamily="49" charset="0"/>
                           <a:cs typeface="Courier New" panose="02070309020205020404" pitchFamily="49" charset="0"/>
                         </a:rPr>
-                        <a:t>3.01% </a:t>
+                        <a:t>0.70</a:t>
                       </a:r>
                     </a:p>
                   </a:txBody>
@@ -14252,7 +14389,7 @@
                         <a:t>54,30 </a:t>
                       </a:r>
                       <a:r>
-                        <a:rPr sz="1200" dirty="0" err="1">
+                        <a:rPr sz="1200" dirty="0">
                           <a:solidFill>
                             <a:schemeClr val="tx1"/>
                           </a:solidFill>
@@ -14260,7 +14397,18 @@
                           <a:ea typeface="+mn-ea"/>
                           <a:cs typeface="Courier New" panose="02070309020205020404" pitchFamily="49" charset="0"/>
                         </a:rPr>
-                        <a:t>secondes</a:t>
+                        <a:t>second</a:t>
+                      </a:r>
+                      <a:r>
+                        <a:rPr lang="fr-FR" sz="1200" dirty="0">
+                          <a:solidFill>
+                            <a:schemeClr val="tx1"/>
+                          </a:solidFill>
+                          <a:latin typeface="Courier New" panose="02070309020205020404" pitchFamily="49" charset="0"/>
+                          <a:ea typeface="+mn-ea"/>
+                          <a:cs typeface="Courier New" panose="02070309020205020404" pitchFamily="49" charset="0"/>
+                        </a:rPr>
+                        <a:t>es</a:t>
                       </a:r>
                       <a:r>
                         <a:rPr sz="1200" dirty="0">
@@ -14437,12 +14585,28 @@
                           <a:tab pos="248920" algn="l"/>
                         </a:tabLst>
                       </a:pPr>
+                      <a:endParaRPr lang="en-US" sz="1200" dirty="0">
+                        <a:latin typeface="Courier New" panose="02070309020205020404" pitchFamily="49" charset="0"/>
+                        <a:cs typeface="Courier New" panose="02070309020205020404" pitchFamily="49" charset="0"/>
+                      </a:endParaRPr>
+                    </a:p>
+                    <a:p>
+                      <a:pPr marL="76835" indent="0" algn="ctr">
+                        <a:lnSpc>
+                          <a:spcPts val="1380"/>
+                        </a:lnSpc>
+                        <a:buFont typeface="Arial MT"/>
+                        <a:buNone/>
+                        <a:tabLst>
+                          <a:tab pos="248920" algn="l"/>
+                        </a:tabLst>
+                      </a:pPr>
                       <a:r>
                         <a:rPr lang="en-US" sz="1200" dirty="0">
                           <a:latin typeface="Courier New" panose="02070309020205020404" pitchFamily="49" charset="0"/>
                           <a:cs typeface="Courier New" panose="02070309020205020404" pitchFamily="49" charset="0"/>
                         </a:rPr>
-                        <a:t>4.18% </a:t>
+                        <a:t>0.66</a:t>
                       </a:r>
                     </a:p>
                     <a:p>
@@ -14687,7 +14851,7 @@
                         <a:defRPr/>
                       </a:pPr>
                       <a:r>
-                        <a:rPr sz="1200" dirty="0">
+                        <a:rPr lang="fr-FR" sz="1200" dirty="0">
                           <a:solidFill>
                             <a:schemeClr val="tx1"/>
                           </a:solidFill>
@@ -14695,38 +14859,16 @@
                           <a:ea typeface="+mn-ea"/>
                           <a:cs typeface="Courier New" panose="02070309020205020404" pitchFamily="49" charset="0"/>
                         </a:rPr>
-                        <a:t>2 minutes </a:t>
-                      </a:r>
-                    </a:p>
-                    <a:p>
-                      <a:pPr marL="77470" marR="0" lvl="0" indent="0" algn="l" defTabSz="914400" rtl="0" eaLnBrk="1" fontAlgn="auto" latinLnBrk="0" hangingPunct="1">
-                        <a:lnSpc>
-                          <a:spcPts val="1380"/>
-                        </a:lnSpc>
-                        <a:spcBef>
-                          <a:spcPts val="0"/>
-                        </a:spcBef>
-                        <a:spcAft>
-                          <a:spcPts val="0"/>
-                        </a:spcAft>
-                        <a:buClrTx/>
-                        <a:buSzTx/>
-                        <a:buFontTx/>
-                        <a:buNone/>
-                        <a:tabLst/>
-                        <a:defRPr/>
-                      </a:pPr>
-                      <a:r>
-                        <a:rPr sz="1200" dirty="0">
-                          <a:solidFill>
-                            <a:schemeClr val="tx1"/>
-                          </a:solidFill>
-                          <a:latin typeface="Courier New" panose="02070309020205020404" pitchFamily="49" charset="0"/>
-                          <a:ea typeface="+mn-ea"/>
-                          <a:cs typeface="Courier New" panose="02070309020205020404" pitchFamily="49" charset="0"/>
-                        </a:rPr>
-                        <a:t> </a:t>
-                      </a:r>
+                        <a:t> 60.5 secondes</a:t>
+                      </a:r>
+                      <a:endParaRPr sz="1200" dirty="0">
+                        <a:solidFill>
+                          <a:schemeClr val="tx1"/>
+                        </a:solidFill>
+                        <a:latin typeface="Courier New" panose="02070309020205020404" pitchFamily="49" charset="0"/>
+                        <a:ea typeface="+mn-ea"/>
+                        <a:cs typeface="Courier New" panose="02070309020205020404" pitchFamily="49" charset="0"/>
+                      </a:endParaRPr>
                     </a:p>
                   </a:txBody>
                   <a:tcPr marL="0" marR="0" marT="0" marB="0" anchor="ctr">
@@ -14872,7 +15014,7 @@
                           <a:latin typeface="Courier New" panose="02070309020205020404" pitchFamily="49" charset="0"/>
                           <a:cs typeface="Courier New" panose="02070309020205020404" pitchFamily="49" charset="0"/>
                         </a:rPr>
-                        <a:t>3.85%</a:t>
+                        <a:t>0.63</a:t>
                       </a:r>
                       <a:endParaRPr sz="1200" dirty="0">
                         <a:latin typeface="Courier New" panose="02070309020205020404" pitchFamily="49" charset="0"/>
@@ -15105,17 +15247,6 @@
                         <a:defRPr/>
                       </a:pPr>
                       <a:r>
-                        <a:rPr sz="1200" dirty="0">
-                          <a:solidFill>
-                            <a:schemeClr val="tx1"/>
-                          </a:solidFill>
-                          <a:latin typeface="Courier New" panose="02070309020205020404" pitchFamily="49" charset="0"/>
-                          <a:ea typeface="+mn-ea"/>
-                          <a:cs typeface="Courier New" panose="02070309020205020404" pitchFamily="49" charset="0"/>
-                        </a:rPr>
-                        <a:t>3</a:t>
-                      </a:r>
-                      <a:r>
                         <a:rPr lang="fr-FR" sz="1200" dirty="0">
                           <a:solidFill>
                             <a:schemeClr val="tx1"/>
@@ -15124,49 +15255,16 @@
                           <a:ea typeface="+mn-ea"/>
                           <a:cs typeface="Courier New" panose="02070309020205020404" pitchFamily="49" charset="0"/>
                         </a:rPr>
-                        <a:t> </a:t>
-                      </a:r>
-                      <a:r>
-                        <a:rPr sz="1200" dirty="0">
-                          <a:solidFill>
-                            <a:schemeClr val="tx1"/>
-                          </a:solidFill>
-                          <a:latin typeface="Courier New" panose="02070309020205020404" pitchFamily="49" charset="0"/>
-                          <a:ea typeface="+mn-ea"/>
-                          <a:cs typeface="Courier New" panose="02070309020205020404" pitchFamily="49" charset="0"/>
-                        </a:rPr>
-                        <a:t>minutes </a:t>
-                      </a:r>
-                    </a:p>
-                    <a:p>
-                      <a:pPr marL="77470" marR="0" lvl="0" indent="0" algn="l" defTabSz="914400" rtl="0" eaLnBrk="1" fontAlgn="auto" latinLnBrk="0" hangingPunct="1">
-                        <a:lnSpc>
-                          <a:spcPts val="1380"/>
-                        </a:lnSpc>
-                        <a:spcBef>
-                          <a:spcPts val="0"/>
-                        </a:spcBef>
-                        <a:spcAft>
-                          <a:spcPts val="0"/>
-                        </a:spcAft>
-                        <a:buClrTx/>
-                        <a:buSzTx/>
-                        <a:buFontTx/>
-                        <a:buNone/>
-                        <a:tabLst/>
-                        <a:defRPr/>
-                      </a:pPr>
-                      <a:r>
-                        <a:rPr sz="1200" dirty="0">
-                          <a:solidFill>
-                            <a:schemeClr val="tx1"/>
-                          </a:solidFill>
-                          <a:latin typeface="Courier New" panose="02070309020205020404" pitchFamily="49" charset="0"/>
-                          <a:ea typeface="+mn-ea"/>
-                          <a:cs typeface="Courier New" panose="02070309020205020404" pitchFamily="49" charset="0"/>
-                        </a:rPr>
-                        <a:t> </a:t>
-                      </a:r>
+                        <a:t>39 secondes</a:t>
+                      </a:r>
+                      <a:endParaRPr sz="1200" dirty="0">
+                        <a:solidFill>
+                          <a:schemeClr val="tx1"/>
+                        </a:solidFill>
+                        <a:latin typeface="Courier New" panose="02070309020205020404" pitchFamily="49" charset="0"/>
+                        <a:ea typeface="+mn-ea"/>
+                        <a:cs typeface="Courier New" panose="02070309020205020404" pitchFamily="49" charset="0"/>
+                      </a:endParaRPr>
                     </a:p>
                   </a:txBody>
                   <a:tcPr marL="0" marR="0" marT="18415" marB="0" anchor="ctr">
@@ -15339,7 +15437,7 @@
                           <a:latin typeface="Courier New" panose="02070309020205020404" pitchFamily="49" charset="0"/>
                           <a:cs typeface="Courier New" panose="02070309020205020404" pitchFamily="49" charset="0"/>
                         </a:rPr>
-                        <a:t>96.89%</a:t>
+                        <a:t>0.49</a:t>
                       </a:r>
                     </a:p>
                   </a:txBody>
@@ -15574,7 +15672,7 @@
                           <a:ea typeface="+mn-ea"/>
                           <a:cs typeface="Courier New" panose="02070309020205020404" pitchFamily="49" charset="0"/>
                         </a:rPr>
-                        <a:t>13 minutes</a:t>
+                        <a:t>76 secondes</a:t>
                       </a:r>
                       <a:endParaRPr sz="1200" dirty="0">
                         <a:solidFill>
@@ -15715,7 +15813,7 @@
                           <a:latin typeface="Courier New" panose="02070309020205020404" pitchFamily="49" charset="0"/>
                           <a:cs typeface="Courier New" panose="02070309020205020404" pitchFamily="49" charset="0"/>
                         </a:rPr>
-                        <a:t>4.4%</a:t>
+                        <a:t>0.67</a:t>
                       </a:r>
                     </a:p>
                   </a:txBody>
@@ -15927,7 +16025,7 @@
                           <a:ea typeface="+mn-ea"/>
                           <a:cs typeface="Courier New" panose="02070309020205020404" pitchFamily="49" charset="0"/>
                         </a:rPr>
-                        <a:t>20 minutes</a:t>
+                        <a:t>220 secondes</a:t>
                       </a:r>
                       <a:endParaRPr sz="1200" dirty="0">
                         <a:solidFill>
@@ -16157,6 +16255,163 @@
 </file>
 
 <file path=ppt/slides/slide17.xml><?xml version="1.0" encoding="utf-8"?>
+<p:sld xmlns:a="http://schemas.openxmlformats.org/drawingml/2006/main" xmlns:r="http://schemas.openxmlformats.org/officeDocument/2006/relationships" xmlns:p="http://schemas.openxmlformats.org/presentationml/2006/main">
+  <p:cSld>
+    <p:spTree>
+      <p:nvGrpSpPr>
+        <p:cNvPr id="1" name=""/>
+        <p:cNvGrpSpPr/>
+        <p:nvPr/>
+      </p:nvGrpSpPr>
+      <p:grpSpPr>
+        <a:xfrm>
+          <a:off x="0" y="0"/>
+          <a:ext cx="0" cy="0"/>
+          <a:chOff x="0" y="0"/>
+          <a:chExt cx="0" cy="0"/>
+        </a:xfrm>
+      </p:grpSpPr>
+      <p:sp>
+        <p:nvSpPr>
+          <p:cNvPr id="4" name="Espace réservé du numéro de diapositive 3">
+            <a:extLst>
+              <a:ext uri="{FF2B5EF4-FFF2-40B4-BE49-F238E27FC236}">
+                <a16:creationId xmlns:a16="http://schemas.microsoft.com/office/drawing/2014/main" id="{5A5490ED-399C-3D38-B31F-33855C7CC1C9}"/>
+              </a:ext>
+            </a:extLst>
+          </p:cNvPr>
+          <p:cNvSpPr>
+            <a:spLocks noGrp="1"/>
+          </p:cNvSpPr>
+          <p:nvPr>
+            <p:ph type="sldNum" sz="quarter" idx="7"/>
+          </p:nvPr>
+        </p:nvSpPr>
+        <p:spPr>
+          <a:xfrm>
+            <a:off x="3520440" y="4949795"/>
+            <a:ext cx="2103120" cy="200055"/>
+          </a:xfrm>
+        </p:spPr>
+        <p:txBody>
+          <a:bodyPr/>
+          <a:lstStyle/>
+          <a:p>
+            <a:pPr algn="ctr"/>
+            <a:fld id="{B6F15528-21DE-4FAA-801E-634DDDAF4B2B}" type="slidenum">
+              <a:rPr lang="fr-FR" sz="1300" b="1">
+                <a:solidFill>
+                  <a:schemeClr val="bg1"/>
+                </a:solidFill>
+              </a:rPr>
+              <a:pPr algn="ctr"/>
+              <a:t>17</a:t>
+            </a:fld>
+            <a:endParaRPr lang="fr-FR" sz="1300" b="1" dirty="0">
+              <a:solidFill>
+                <a:schemeClr val="bg1"/>
+              </a:solidFill>
+            </a:endParaRPr>
+          </a:p>
+        </p:txBody>
+      </p:sp>
+      <p:sp>
+        <p:nvSpPr>
+          <p:cNvPr id="2" name="TextBox 13">
+            <a:extLst>
+              <a:ext uri="{FF2B5EF4-FFF2-40B4-BE49-F238E27FC236}">
+                <a16:creationId xmlns:a16="http://schemas.microsoft.com/office/drawing/2014/main" id="{0E23EC4E-B618-2354-AC01-E999E915C400}"/>
+              </a:ext>
+            </a:extLst>
+          </p:cNvPr>
+          <p:cNvSpPr txBox="1"/>
+          <p:nvPr/>
+        </p:nvSpPr>
+        <p:spPr>
+          <a:xfrm>
+            <a:off x="1905000" y="4298507"/>
+            <a:ext cx="4800600" cy="307777"/>
+          </a:xfrm>
+          <a:prstGeom prst="rect">
+            <a:avLst/>
+          </a:prstGeom>
+          <a:noFill/>
+        </p:spPr>
+        <p:txBody>
+          <a:bodyPr wrap="square">
+            <a:spAutoFit/>
+          </a:bodyPr>
+          <a:lstStyle/>
+          <a:p>
+            <a:pPr algn="ctr"/>
+            <a:r>
+              <a:rPr lang="en-US" sz="1400" dirty="0"/>
+              <a:t>t-SNE Visualization with True  Tags VS Predicted Tags With SVM</a:t>
+            </a:r>
+          </a:p>
+        </p:txBody>
+      </p:sp>
+      <p:pic>
+        <p:nvPicPr>
+          <p:cNvPr id="1028" name="Picture 4">
+            <a:extLst>
+              <a:ext uri="{FF2B5EF4-FFF2-40B4-BE49-F238E27FC236}">
+                <a16:creationId xmlns:a16="http://schemas.microsoft.com/office/drawing/2014/main" id="{BC72647D-8728-5376-1E64-81532B50DA71}"/>
+              </a:ext>
+            </a:extLst>
+          </p:cNvPr>
+          <p:cNvPicPr>
+            <a:picLocks noChangeAspect="1" noChangeArrowheads="1"/>
+          </p:cNvPicPr>
+          <p:nvPr/>
+        </p:nvPicPr>
+        <p:blipFill>
+          <a:blip r:embed="rId2">
+            <a:extLst>
+              <a:ext uri="{28A0092B-C50C-407E-A947-70E740481C1C}">
+                <a14:useLocalDpi xmlns:a14="http://schemas.microsoft.com/office/drawing/2010/main" val="0"/>
+              </a:ext>
+            </a:extLst>
+          </a:blip>
+          <a:srcRect/>
+          <a:stretch>
+            <a:fillRect/>
+          </a:stretch>
+        </p:blipFill>
+        <p:spPr bwMode="auto">
+          <a:xfrm>
+            <a:off x="598564" y="543566"/>
+            <a:ext cx="7707235" cy="3640136"/>
+          </a:xfrm>
+          <a:prstGeom prst="rect">
+            <a:avLst/>
+          </a:prstGeom>
+          <a:noFill/>
+          <a:extLst>
+            <a:ext uri="{909E8E84-426E-40DD-AFC4-6F175D3DCCD1}">
+              <a14:hiddenFill xmlns:a14="http://schemas.microsoft.com/office/drawing/2010/main">
+                <a:solidFill>
+                  <a:srgbClr val="FFFFFF"/>
+                </a:solidFill>
+              </a14:hiddenFill>
+            </a:ext>
+          </a:extLst>
+        </p:spPr>
+      </p:pic>
+    </p:spTree>
+    <p:extLst>
+      <p:ext uri="{BB962C8B-B14F-4D97-AF65-F5344CB8AC3E}">
+        <p14:creationId xmlns:p14="http://schemas.microsoft.com/office/powerpoint/2010/main" val="1934266542"/>
+      </p:ext>
+    </p:extLst>
+  </p:cSld>
+  <p:clrMapOvr>
+    <a:masterClrMapping/>
+  </p:clrMapOvr>
+</p:sld>
+</file>
+
+<file path=ppt/slides/slide18.xml><?xml version="1.0" encoding="utf-8"?>
 <p:sld xmlns:a="http://schemas.openxmlformats.org/drawingml/2006/main" xmlns:r="http://schemas.openxmlformats.org/officeDocument/2006/relationships" xmlns:p="http://schemas.openxmlformats.org/presentationml/2006/main" showMasterSp="0">
   <p:cSld>
     <p:spTree>
@@ -16398,7 +16653,7 @@
                 </a:solidFill>
               </a:rPr>
               <a:pPr algn="ctr"/>
-              <a:t>17</a:t>
+              <a:t>18</a:t>
             </a:fld>
             <a:endParaRPr lang="en-US" sz="1300" b="1" dirty="0">
               <a:solidFill>
@@ -16473,10 +16728,10 @@
       </p:sp>
       <p:pic>
         <p:nvPicPr>
-          <p:cNvPr id="3" name="Image 2" descr="Une image contenant texte, capture d’écran, diagramme, Tracé&#10;&#10;Description générée automatiquement">
+          <p:cNvPr id="4" name="Image 3" descr="Une image contenant texte, capture d’écran, Tracé, diagramme&#10;&#10;Description générée automatiquement">
             <a:extLst>
               <a:ext uri="{FF2B5EF4-FFF2-40B4-BE49-F238E27FC236}">
-                <a16:creationId xmlns:a16="http://schemas.microsoft.com/office/drawing/2014/main" id="{1037E461-3FAD-D389-750A-BC8F5A7185B0}"/>
+                <a16:creationId xmlns:a16="http://schemas.microsoft.com/office/drawing/2014/main" id="{C2CB95AD-80CA-471B-441A-38B7F6605D5B}"/>
               </a:ext>
             </a:extLst>
           </p:cNvPr>
@@ -16499,8 +16754,8 @@
         </p:blipFill>
         <p:spPr>
           <a:xfrm>
-            <a:off x="685800" y="689467"/>
-            <a:ext cx="7620000" cy="4183208"/>
+            <a:off x="457200" y="821051"/>
+            <a:ext cx="8001000" cy="3977841"/>
           </a:xfrm>
           <a:prstGeom prst="rect">
             <a:avLst/>
@@ -16515,7 +16770,7 @@
 </p:sld>
 </file>
 
-<file path=ppt/slides/slide18.xml><?xml version="1.0" encoding="utf-8"?>
+<file path=ppt/slides/slide19.xml><?xml version="1.0" encoding="utf-8"?>
 <p:sld xmlns:a="http://schemas.openxmlformats.org/drawingml/2006/main" xmlns:r="http://schemas.openxmlformats.org/officeDocument/2006/relationships" xmlns:p="http://schemas.openxmlformats.org/presentationml/2006/main" showMasterSp="0">
   <p:cSld>
     <p:spTree>
@@ -19548,7 +19803,7 @@
                 </a:solidFill>
               </a:rPr>
               <a:pPr algn="ctr"/>
-              <a:t>18</a:t>
+              <a:t>19</a:t>
             </a:fld>
             <a:endParaRPr lang="en-US" sz="1300" b="1" dirty="0">
               <a:solidFill>
@@ -19611,1288 +19866,6 @@
                 <a:latin typeface="Consolas" panose="020B0609020204030204" pitchFamily="49" charset="0"/>
               </a:rPr>
               <a:t>COMPARAISON DES TAGS PRÉDITS</a:t>
-            </a:r>
-          </a:p>
-        </p:txBody>
-      </p:sp>
-    </p:spTree>
-  </p:cSld>
-  <p:clrMapOvr>
-    <a:masterClrMapping/>
-  </p:clrMapOvr>
-</p:sld>
-</file>
-
-<file path=ppt/slides/slide19.xml><?xml version="1.0" encoding="utf-8"?>
-<p:sld xmlns:a="http://schemas.openxmlformats.org/drawingml/2006/main" xmlns:r="http://schemas.openxmlformats.org/officeDocument/2006/relationships" xmlns:p="http://schemas.openxmlformats.org/presentationml/2006/main">
-  <p:cSld>
-    <p:spTree>
-      <p:nvGrpSpPr>
-        <p:cNvPr id="1" name=""/>
-        <p:cNvGrpSpPr/>
-        <p:nvPr/>
-      </p:nvGrpSpPr>
-      <p:grpSpPr>
-        <a:xfrm>
-          <a:off x="0" y="0"/>
-          <a:ext cx="0" cy="0"/>
-          <a:chOff x="0" y="0"/>
-          <a:chExt cx="0" cy="0"/>
-        </a:xfrm>
-      </p:grpSpPr>
-      <p:sp>
-        <p:nvSpPr>
-          <p:cNvPr id="11" name="object 2">
-            <a:extLst>
-              <a:ext uri="{FF2B5EF4-FFF2-40B4-BE49-F238E27FC236}">
-                <a16:creationId xmlns:a16="http://schemas.microsoft.com/office/drawing/2014/main" id="{BC04982C-8C1D-AE61-582A-419C2A669141}"/>
-              </a:ext>
-            </a:extLst>
-          </p:cNvPr>
-          <p:cNvSpPr/>
-          <p:nvPr/>
-        </p:nvSpPr>
-        <p:spPr>
-          <a:xfrm>
-            <a:off x="1" y="12"/>
-            <a:ext cx="9144000" cy="5149838"/>
-          </a:xfrm>
-          <a:custGeom>
-            <a:avLst/>
-            <a:gdLst/>
-            <a:ahLst/>
-            <a:cxnLst/>
-            <a:rect l="l" t="t" r="r" b="b"/>
-            <a:pathLst>
-              <a:path w="9134475" h="5144135">
-                <a:moveTo>
-                  <a:pt x="9134475" y="0"/>
-                </a:moveTo>
-                <a:lnTo>
-                  <a:pt x="8978011" y="0"/>
-                </a:lnTo>
-                <a:lnTo>
-                  <a:pt x="8978011" y="241"/>
-                </a:lnTo>
-                <a:lnTo>
-                  <a:pt x="8978011" y="157721"/>
-                </a:lnTo>
-                <a:lnTo>
-                  <a:pt x="8978011" y="4938001"/>
-                </a:lnTo>
-                <a:lnTo>
-                  <a:pt x="204050" y="4938001"/>
-                </a:lnTo>
-                <a:lnTo>
-                  <a:pt x="204050" y="157721"/>
-                </a:lnTo>
-                <a:lnTo>
-                  <a:pt x="8978011" y="157721"/>
-                </a:lnTo>
-                <a:lnTo>
-                  <a:pt x="8978011" y="241"/>
-                </a:lnTo>
-                <a:lnTo>
-                  <a:pt x="0" y="241"/>
-                </a:lnTo>
-                <a:lnTo>
-                  <a:pt x="0" y="157721"/>
-                </a:lnTo>
-                <a:lnTo>
-                  <a:pt x="0" y="4938001"/>
-                </a:lnTo>
-                <a:lnTo>
-                  <a:pt x="0" y="5143741"/>
-                </a:lnTo>
-                <a:lnTo>
-                  <a:pt x="9134475" y="5143741"/>
-                </a:lnTo>
-                <a:lnTo>
-                  <a:pt x="9134475" y="4938420"/>
-                </a:lnTo>
-                <a:lnTo>
-                  <a:pt x="9134475" y="4938001"/>
-                </a:lnTo>
-                <a:lnTo>
-                  <a:pt x="9134475" y="0"/>
-                </a:lnTo>
-                <a:close/>
-              </a:path>
-            </a:pathLst>
-          </a:custGeom>
-          <a:solidFill>
-            <a:srgbClr val="BBBBBB"/>
-          </a:solidFill>
-        </p:spPr>
-        <p:txBody>
-          <a:bodyPr wrap="square" lIns="0" tIns="0" rIns="0" bIns="0" rtlCol="0"/>
-          <a:lstStyle/>
-          <a:p>
-            <a:endParaRPr/>
-          </a:p>
-        </p:txBody>
-      </p:sp>
-      <p:sp>
-        <p:nvSpPr>
-          <p:cNvPr id="9" name="object 3">
-            <a:extLst>
-              <a:ext uri="{FF2B5EF4-FFF2-40B4-BE49-F238E27FC236}">
-                <a16:creationId xmlns:a16="http://schemas.microsoft.com/office/drawing/2014/main" id="{45D0663B-6265-5A3D-6486-15A076560D2B}"/>
-              </a:ext>
-            </a:extLst>
-          </p:cNvPr>
-          <p:cNvSpPr txBox="1">
-            <a:spLocks/>
-          </p:cNvSpPr>
-          <p:nvPr/>
-        </p:nvSpPr>
-        <p:spPr>
-          <a:xfrm>
-            <a:off x="1" y="277175"/>
-            <a:ext cx="9143999" cy="412292"/>
-          </a:xfrm>
-          <a:prstGeom prst="rect">
-            <a:avLst/>
-          </a:prstGeom>
-        </p:spPr>
-        <p:txBody>
-          <a:bodyPr vert="horz" wrap="square" lIns="0" tIns="12065" rIns="0" bIns="0" rtlCol="0">
-            <a:spAutoFit/>
-          </a:bodyPr>
-          <a:lstStyle>
-            <a:lvl1pPr>
-              <a:defRPr sz="2600" b="1" i="0">
-                <a:solidFill>
-                  <a:srgbClr val="404040"/>
-                </a:solidFill>
-                <a:latin typeface="Arial"/>
-                <a:ea typeface="+mj-ea"/>
-                <a:cs typeface="Arial"/>
-              </a:defRPr>
-            </a:lvl1pPr>
-          </a:lstStyle>
-          <a:p>
-            <a:pPr marL="12700" algn="ctr">
-              <a:spcBef>
-                <a:spcPts val="95"/>
-              </a:spcBef>
-            </a:pPr>
-            <a:r>
-              <a:rPr lang="fr-FR" spc="300" dirty="0">
-                <a:solidFill>
-                  <a:schemeClr val="tx1"/>
-                </a:solidFill>
-                <a:latin typeface="Consolas" panose="020B0609020204030204" pitchFamily="49" charset="0"/>
-              </a:rPr>
-              <a:t>Approche non supervisée</a:t>
-            </a:r>
-          </a:p>
-        </p:txBody>
-      </p:sp>
-      <p:sp>
-        <p:nvSpPr>
-          <p:cNvPr id="6" name="object 6"/>
-          <p:cNvSpPr txBox="1"/>
-          <p:nvPr/>
-        </p:nvSpPr>
-        <p:spPr>
-          <a:xfrm>
-            <a:off x="886606" y="3074435"/>
-            <a:ext cx="3657600" cy="1236236"/>
-          </a:xfrm>
-          <a:prstGeom prst="rect">
-            <a:avLst/>
-          </a:prstGeom>
-        </p:spPr>
-        <p:txBody>
-          <a:bodyPr vert="horz" wrap="square" lIns="0" tIns="27940" rIns="0" bIns="0" rtlCol="0">
-            <a:spAutoFit/>
-          </a:bodyPr>
-          <a:lstStyle/>
-          <a:p>
-            <a:pPr marL="12700" algn="just">
-              <a:lnSpc>
-                <a:spcPct val="100000"/>
-              </a:lnSpc>
-              <a:spcBef>
-                <a:spcPts val="220"/>
-              </a:spcBef>
-            </a:pPr>
-            <a:r>
-              <a:rPr sz="1050" spc="-5" dirty="0">
-                <a:latin typeface="Consolas" panose="020B0609020204030204" pitchFamily="49" charset="0"/>
-                <a:cs typeface="Cambria Math"/>
-              </a:rPr>
-              <a:t>𝛼</a:t>
-            </a:r>
-            <a:r>
-              <a:rPr sz="1050" spc="25" dirty="0">
-                <a:latin typeface="Consolas" panose="020B0609020204030204" pitchFamily="49" charset="0"/>
-                <a:cs typeface="Cambria Math"/>
-              </a:rPr>
-              <a:t> </a:t>
-            </a:r>
-            <a:r>
-              <a:rPr sz="1050" spc="-5" dirty="0">
-                <a:latin typeface="Consolas" panose="020B0609020204030204" pitchFamily="49" charset="0"/>
-                <a:cs typeface="Calibri"/>
-              </a:rPr>
-              <a:t>:</a:t>
-            </a:r>
-            <a:r>
-              <a:rPr sz="1050" dirty="0">
-                <a:latin typeface="Consolas" panose="020B0609020204030204" pitchFamily="49" charset="0"/>
-                <a:cs typeface="Calibri"/>
-              </a:rPr>
-              <a:t> </a:t>
-            </a:r>
-            <a:r>
-              <a:rPr sz="1050" spc="-10" dirty="0">
-                <a:latin typeface="Consolas" panose="020B0609020204030204" pitchFamily="49" charset="0"/>
-                <a:cs typeface="Calibri"/>
-              </a:rPr>
-              <a:t>Ensemble</a:t>
-            </a:r>
-            <a:r>
-              <a:rPr sz="1050" spc="20" dirty="0">
-                <a:latin typeface="Consolas" panose="020B0609020204030204" pitchFamily="49" charset="0"/>
-                <a:cs typeface="Calibri"/>
-              </a:rPr>
-              <a:t> </a:t>
-            </a:r>
-            <a:r>
-              <a:rPr sz="1050" spc="-15" dirty="0">
-                <a:latin typeface="Consolas" panose="020B0609020204030204" pitchFamily="49" charset="0"/>
-                <a:cs typeface="Calibri"/>
-              </a:rPr>
-              <a:t>de</a:t>
-            </a:r>
-            <a:r>
-              <a:rPr sz="1050" spc="15" dirty="0">
-                <a:latin typeface="Consolas" panose="020B0609020204030204" pitchFamily="49" charset="0"/>
-                <a:cs typeface="Calibri"/>
-              </a:rPr>
-              <a:t> </a:t>
-            </a:r>
-            <a:r>
-              <a:rPr sz="1050" spc="-10" dirty="0">
-                <a:latin typeface="Consolas" panose="020B0609020204030204" pitchFamily="49" charset="0"/>
-                <a:cs typeface="Calibri"/>
-              </a:rPr>
-              <a:t>tous</a:t>
-            </a:r>
-            <a:r>
-              <a:rPr sz="1050" spc="25" dirty="0">
-                <a:latin typeface="Consolas" panose="020B0609020204030204" pitchFamily="49" charset="0"/>
-                <a:cs typeface="Calibri"/>
-              </a:rPr>
-              <a:t> </a:t>
-            </a:r>
-            <a:r>
-              <a:rPr sz="1050" spc="-10" dirty="0">
-                <a:latin typeface="Consolas" panose="020B0609020204030204" pitchFamily="49" charset="0"/>
-                <a:cs typeface="Calibri"/>
-              </a:rPr>
-              <a:t>les</a:t>
-            </a:r>
-            <a:r>
-              <a:rPr sz="1050" dirty="0">
-                <a:latin typeface="Consolas" panose="020B0609020204030204" pitchFamily="49" charset="0"/>
-                <a:cs typeface="Calibri"/>
-              </a:rPr>
-              <a:t> </a:t>
-            </a:r>
-            <a:r>
-              <a:rPr sz="1050" spc="-10" dirty="0">
-                <a:latin typeface="Consolas" panose="020B0609020204030204" pitchFamily="49" charset="0"/>
-                <a:cs typeface="Calibri"/>
-              </a:rPr>
-              <a:t>topics</a:t>
-            </a:r>
-            <a:r>
-              <a:rPr lang="fr-FR" sz="1050" spc="-10" dirty="0">
-                <a:latin typeface="Consolas" panose="020B0609020204030204" pitchFamily="49" charset="0"/>
-                <a:cs typeface="Calibri"/>
-              </a:rPr>
-              <a:t>.</a:t>
-            </a:r>
-            <a:endParaRPr sz="1050" dirty="0">
-              <a:latin typeface="Consolas" panose="020B0609020204030204" pitchFamily="49" charset="0"/>
-              <a:cs typeface="Calibri"/>
-            </a:endParaRPr>
-          </a:p>
-          <a:p>
-            <a:pPr marL="12700" algn="just">
-              <a:lnSpc>
-                <a:spcPct val="100000"/>
-              </a:lnSpc>
-              <a:spcBef>
-                <a:spcPts val="120"/>
-              </a:spcBef>
-            </a:pPr>
-            <a:r>
-              <a:rPr sz="1050" spc="-5" dirty="0">
-                <a:latin typeface="Consolas" panose="020B0609020204030204" pitchFamily="49" charset="0"/>
-                <a:cs typeface="Cambria Math"/>
-              </a:rPr>
-              <a:t>𝛽</a:t>
-            </a:r>
-            <a:r>
-              <a:rPr sz="1050" spc="15" dirty="0">
-                <a:latin typeface="Consolas" panose="020B0609020204030204" pitchFamily="49" charset="0"/>
-                <a:cs typeface="Cambria Math"/>
-              </a:rPr>
-              <a:t> </a:t>
-            </a:r>
-            <a:r>
-              <a:rPr sz="1050" spc="-5" dirty="0">
-                <a:latin typeface="Consolas" panose="020B0609020204030204" pitchFamily="49" charset="0"/>
-                <a:cs typeface="Calibri"/>
-              </a:rPr>
-              <a:t>:</a:t>
-            </a:r>
-            <a:r>
-              <a:rPr sz="1050" spc="-20" dirty="0">
-                <a:latin typeface="Consolas" panose="020B0609020204030204" pitchFamily="49" charset="0"/>
-                <a:cs typeface="Calibri"/>
-              </a:rPr>
-              <a:t> </a:t>
-            </a:r>
-            <a:r>
-              <a:rPr sz="1050" spc="-10" dirty="0">
-                <a:latin typeface="Consolas" panose="020B0609020204030204" pitchFamily="49" charset="0"/>
-                <a:cs typeface="Calibri"/>
-              </a:rPr>
-              <a:t>Ensemble</a:t>
-            </a:r>
-            <a:r>
-              <a:rPr sz="1050" spc="25" dirty="0">
-                <a:latin typeface="Consolas" panose="020B0609020204030204" pitchFamily="49" charset="0"/>
-                <a:cs typeface="Calibri"/>
-              </a:rPr>
-              <a:t> </a:t>
-            </a:r>
-            <a:r>
-              <a:rPr sz="1050" spc="-10" dirty="0">
-                <a:latin typeface="Consolas" panose="020B0609020204030204" pitchFamily="49" charset="0"/>
-                <a:cs typeface="Calibri"/>
-              </a:rPr>
-              <a:t>des</a:t>
-            </a:r>
-            <a:r>
-              <a:rPr sz="1050" spc="5" dirty="0">
-                <a:latin typeface="Consolas" panose="020B0609020204030204" pitchFamily="49" charset="0"/>
-                <a:cs typeface="Calibri"/>
-              </a:rPr>
-              <a:t> </a:t>
-            </a:r>
-            <a:r>
-              <a:rPr sz="1050" spc="-5" dirty="0">
-                <a:latin typeface="Consolas" panose="020B0609020204030204" pitchFamily="49" charset="0"/>
-                <a:cs typeface="Calibri"/>
-              </a:rPr>
-              <a:t>mots</a:t>
-            </a:r>
-            <a:r>
-              <a:rPr sz="1050" dirty="0">
-                <a:latin typeface="Consolas" panose="020B0609020204030204" pitchFamily="49" charset="0"/>
-                <a:cs typeface="Calibri"/>
-              </a:rPr>
-              <a:t> </a:t>
-            </a:r>
-            <a:r>
-              <a:rPr sz="1050" spc="-15" dirty="0">
-                <a:latin typeface="Consolas" panose="020B0609020204030204" pitchFamily="49" charset="0"/>
-                <a:cs typeface="Calibri"/>
-              </a:rPr>
-              <a:t>de</a:t>
-            </a:r>
-            <a:r>
-              <a:rPr sz="1050" spc="-5" dirty="0">
-                <a:latin typeface="Consolas" panose="020B0609020204030204" pitchFamily="49" charset="0"/>
-                <a:cs typeface="Calibri"/>
-              </a:rPr>
-              <a:t> tous</a:t>
-            </a:r>
-            <a:r>
-              <a:rPr sz="1050" spc="-20" dirty="0">
-                <a:latin typeface="Consolas" panose="020B0609020204030204" pitchFamily="49" charset="0"/>
-                <a:cs typeface="Calibri"/>
-              </a:rPr>
-              <a:t> </a:t>
-            </a:r>
-            <a:r>
-              <a:rPr sz="1050" spc="-10" dirty="0">
-                <a:latin typeface="Consolas" panose="020B0609020204030204" pitchFamily="49" charset="0"/>
-                <a:cs typeface="Calibri"/>
-              </a:rPr>
-              <a:t>les</a:t>
-            </a:r>
-            <a:r>
-              <a:rPr sz="1050" spc="25" dirty="0">
-                <a:latin typeface="Consolas" panose="020B0609020204030204" pitchFamily="49" charset="0"/>
-                <a:cs typeface="Calibri"/>
-              </a:rPr>
-              <a:t> </a:t>
-            </a:r>
-            <a:r>
-              <a:rPr sz="1050" spc="-5" dirty="0">
-                <a:latin typeface="Consolas" panose="020B0609020204030204" pitchFamily="49" charset="0"/>
-                <a:cs typeface="Calibri"/>
-              </a:rPr>
-              <a:t>documents</a:t>
-            </a:r>
-            <a:r>
-              <a:rPr lang="fr-FR" sz="1050" spc="-5" dirty="0">
-                <a:latin typeface="Consolas" panose="020B0609020204030204" pitchFamily="49" charset="0"/>
-                <a:cs typeface="Calibri"/>
-              </a:rPr>
-              <a:t>.</a:t>
-            </a:r>
-            <a:endParaRPr sz="1050" dirty="0">
-              <a:latin typeface="Consolas" panose="020B0609020204030204" pitchFamily="49" charset="0"/>
-              <a:cs typeface="Calibri"/>
-            </a:endParaRPr>
-          </a:p>
-          <a:p>
-            <a:pPr marL="12700" algn="just">
-              <a:lnSpc>
-                <a:spcPct val="100000"/>
-              </a:lnSpc>
-              <a:spcBef>
-                <a:spcPts val="120"/>
-              </a:spcBef>
-            </a:pPr>
-            <a:r>
-              <a:rPr sz="1050" spc="-10" dirty="0">
-                <a:latin typeface="Consolas" panose="020B0609020204030204" pitchFamily="49" charset="0"/>
-                <a:cs typeface="Cambria Math"/>
-              </a:rPr>
-              <a:t>𝑀</a:t>
-            </a:r>
-            <a:r>
-              <a:rPr sz="1050" spc="10" dirty="0">
-                <a:latin typeface="Consolas" panose="020B0609020204030204" pitchFamily="49" charset="0"/>
-                <a:cs typeface="Cambria Math"/>
-              </a:rPr>
-              <a:t> </a:t>
-            </a:r>
-            <a:r>
-              <a:rPr sz="1050" spc="-5" dirty="0">
-                <a:latin typeface="Consolas" panose="020B0609020204030204" pitchFamily="49" charset="0"/>
-                <a:cs typeface="Calibri"/>
-              </a:rPr>
-              <a:t>:</a:t>
-            </a:r>
-            <a:r>
-              <a:rPr sz="1050" spc="5" dirty="0">
-                <a:latin typeface="Consolas" panose="020B0609020204030204" pitchFamily="49" charset="0"/>
-                <a:cs typeface="Calibri"/>
-              </a:rPr>
-              <a:t> </a:t>
-            </a:r>
-            <a:r>
-              <a:rPr sz="1050" spc="-10" dirty="0">
-                <a:latin typeface="Consolas" panose="020B0609020204030204" pitchFamily="49" charset="0"/>
-                <a:cs typeface="Calibri"/>
-              </a:rPr>
-              <a:t>Ensemble</a:t>
-            </a:r>
-            <a:r>
-              <a:rPr sz="1050" spc="45" dirty="0">
-                <a:latin typeface="Consolas" panose="020B0609020204030204" pitchFamily="49" charset="0"/>
-                <a:cs typeface="Calibri"/>
-              </a:rPr>
-              <a:t> </a:t>
-            </a:r>
-            <a:r>
-              <a:rPr sz="1050" spc="-10" dirty="0">
-                <a:latin typeface="Consolas" panose="020B0609020204030204" pitchFamily="49" charset="0"/>
-                <a:cs typeface="Calibri"/>
-              </a:rPr>
-              <a:t>des</a:t>
-            </a:r>
-            <a:r>
-              <a:rPr sz="1050" dirty="0">
-                <a:latin typeface="Consolas" panose="020B0609020204030204" pitchFamily="49" charset="0"/>
-                <a:cs typeface="Calibri"/>
-              </a:rPr>
-              <a:t> </a:t>
-            </a:r>
-            <a:r>
-              <a:rPr sz="1050" spc="-10" dirty="0">
-                <a:latin typeface="Consolas" panose="020B0609020204030204" pitchFamily="49" charset="0"/>
-                <a:cs typeface="Calibri"/>
-              </a:rPr>
-              <a:t>variables</a:t>
-            </a:r>
-            <a:r>
-              <a:rPr sz="1050" spc="30" dirty="0">
-                <a:latin typeface="Consolas" panose="020B0609020204030204" pitchFamily="49" charset="0"/>
-                <a:cs typeface="Calibri"/>
-              </a:rPr>
-              <a:t> </a:t>
-            </a:r>
-            <a:r>
-              <a:rPr sz="1050" spc="-5" dirty="0">
-                <a:latin typeface="Consolas" panose="020B0609020204030204" pitchFamily="49" charset="0"/>
-                <a:cs typeface="Calibri"/>
-              </a:rPr>
-              <a:t>liée</a:t>
-            </a:r>
-            <a:r>
-              <a:rPr sz="1050" spc="-20" dirty="0">
-                <a:latin typeface="Consolas" panose="020B0609020204030204" pitchFamily="49" charset="0"/>
-                <a:cs typeface="Calibri"/>
-              </a:rPr>
-              <a:t> </a:t>
-            </a:r>
-            <a:r>
-              <a:rPr sz="1050" spc="-5" dirty="0">
-                <a:latin typeface="Consolas" panose="020B0609020204030204" pitchFamily="49" charset="0"/>
-                <a:cs typeface="Calibri"/>
-              </a:rPr>
-              <a:t>à</a:t>
-            </a:r>
-            <a:r>
-              <a:rPr sz="1050" spc="15" dirty="0">
-                <a:latin typeface="Consolas" panose="020B0609020204030204" pitchFamily="49" charset="0"/>
-                <a:cs typeface="Calibri"/>
-              </a:rPr>
-              <a:t> </a:t>
-            </a:r>
-            <a:r>
-              <a:rPr sz="1050" dirty="0">
-                <a:latin typeface="Consolas" panose="020B0609020204030204" pitchFamily="49" charset="0"/>
-                <a:cs typeface="Calibri"/>
-              </a:rPr>
-              <a:t>un</a:t>
-            </a:r>
-            <a:r>
-              <a:rPr sz="1050" spc="-15" dirty="0">
-                <a:latin typeface="Consolas" panose="020B0609020204030204" pitchFamily="49" charset="0"/>
-                <a:cs typeface="Calibri"/>
-              </a:rPr>
-              <a:t> </a:t>
-            </a:r>
-            <a:r>
-              <a:rPr sz="1050" spc="-5" dirty="0">
-                <a:latin typeface="Consolas" panose="020B0609020204030204" pitchFamily="49" charset="0"/>
-                <a:cs typeface="Calibri"/>
-              </a:rPr>
-              <a:t>document</a:t>
-            </a:r>
-            <a:r>
-              <a:rPr lang="fr-FR" sz="1050" spc="-5" dirty="0">
-                <a:latin typeface="Consolas" panose="020B0609020204030204" pitchFamily="49" charset="0"/>
-                <a:cs typeface="Calibri"/>
-              </a:rPr>
-              <a:t>.</a:t>
-            </a:r>
-            <a:endParaRPr sz="1050" dirty="0">
-              <a:latin typeface="Consolas" panose="020B0609020204030204" pitchFamily="49" charset="0"/>
-              <a:cs typeface="Calibri"/>
-            </a:endParaRPr>
-          </a:p>
-          <a:p>
-            <a:pPr marL="12700" algn="just">
-              <a:lnSpc>
-                <a:spcPct val="100000"/>
-              </a:lnSpc>
-              <a:spcBef>
-                <a:spcPts val="120"/>
-              </a:spcBef>
-            </a:pPr>
-            <a:r>
-              <a:rPr sz="1050" spc="-5" dirty="0">
-                <a:latin typeface="Consolas" panose="020B0609020204030204" pitchFamily="49" charset="0"/>
-                <a:cs typeface="Cambria Math"/>
-              </a:rPr>
-              <a:t>𝜃</a:t>
-            </a:r>
-            <a:r>
-              <a:rPr sz="1050" spc="30" dirty="0">
-                <a:latin typeface="Consolas" panose="020B0609020204030204" pitchFamily="49" charset="0"/>
-                <a:cs typeface="Cambria Math"/>
-              </a:rPr>
-              <a:t> </a:t>
-            </a:r>
-            <a:r>
-              <a:rPr sz="1050" spc="-5" dirty="0">
-                <a:latin typeface="Consolas" panose="020B0609020204030204" pitchFamily="49" charset="0"/>
-                <a:cs typeface="Calibri"/>
-              </a:rPr>
-              <a:t>:</a:t>
-            </a:r>
-            <a:r>
-              <a:rPr sz="1050" spc="-25" dirty="0">
-                <a:latin typeface="Consolas" panose="020B0609020204030204" pitchFamily="49" charset="0"/>
-                <a:cs typeface="Calibri"/>
-              </a:rPr>
-              <a:t> </a:t>
-            </a:r>
-            <a:r>
-              <a:rPr sz="1050" spc="-5" dirty="0">
-                <a:latin typeface="Consolas" panose="020B0609020204030204" pitchFamily="49" charset="0"/>
-                <a:cs typeface="Calibri"/>
-              </a:rPr>
-              <a:t>Distribution</a:t>
-            </a:r>
-            <a:r>
-              <a:rPr sz="1050" spc="10" dirty="0">
-                <a:latin typeface="Consolas" panose="020B0609020204030204" pitchFamily="49" charset="0"/>
-                <a:cs typeface="Calibri"/>
-              </a:rPr>
-              <a:t> </a:t>
-            </a:r>
-            <a:r>
-              <a:rPr sz="1050" spc="-5" dirty="0">
-                <a:latin typeface="Consolas" panose="020B0609020204030204" pitchFamily="49" charset="0"/>
-                <a:cs typeface="Calibri"/>
-              </a:rPr>
-              <a:t>d’un</a:t>
-            </a:r>
-            <a:r>
-              <a:rPr sz="1050" dirty="0">
-                <a:latin typeface="Consolas" panose="020B0609020204030204" pitchFamily="49" charset="0"/>
-                <a:cs typeface="Calibri"/>
-              </a:rPr>
-              <a:t> </a:t>
-            </a:r>
-            <a:r>
-              <a:rPr sz="1050" spc="-5" dirty="0">
-                <a:latin typeface="Consolas" panose="020B0609020204030204" pitchFamily="49" charset="0"/>
-                <a:cs typeface="Calibri"/>
-              </a:rPr>
-              <a:t>topic</a:t>
-            </a:r>
-            <a:r>
-              <a:rPr sz="1050" spc="-20" dirty="0">
-                <a:latin typeface="Consolas" panose="020B0609020204030204" pitchFamily="49" charset="0"/>
-                <a:cs typeface="Calibri"/>
-              </a:rPr>
-              <a:t> </a:t>
-            </a:r>
-            <a:r>
-              <a:rPr sz="1050" spc="-5" dirty="0">
-                <a:latin typeface="Consolas" panose="020B0609020204030204" pitchFamily="49" charset="0"/>
-                <a:cs typeface="Calibri"/>
-              </a:rPr>
-              <a:t>pour</a:t>
-            </a:r>
-            <a:r>
-              <a:rPr sz="1050" spc="10" dirty="0">
-                <a:latin typeface="Consolas" panose="020B0609020204030204" pitchFamily="49" charset="0"/>
-                <a:cs typeface="Calibri"/>
-              </a:rPr>
-              <a:t> </a:t>
-            </a:r>
-            <a:r>
-              <a:rPr sz="1050" spc="-15" dirty="0">
-                <a:latin typeface="Consolas" panose="020B0609020204030204" pitchFamily="49" charset="0"/>
-                <a:cs typeface="Calibri"/>
-              </a:rPr>
-              <a:t>un</a:t>
-            </a:r>
-            <a:r>
-              <a:rPr sz="1050" dirty="0">
-                <a:latin typeface="Consolas" panose="020B0609020204030204" pitchFamily="49" charset="0"/>
-                <a:cs typeface="Calibri"/>
-              </a:rPr>
-              <a:t> </a:t>
-            </a:r>
-            <a:r>
-              <a:rPr sz="1050" spc="-5" dirty="0">
-                <a:latin typeface="Consolas" panose="020B0609020204030204" pitchFamily="49" charset="0"/>
-                <a:cs typeface="Calibri"/>
-              </a:rPr>
-              <a:t>document</a:t>
-            </a:r>
-            <a:r>
-              <a:rPr lang="fr-FR" sz="1050" spc="-5" dirty="0">
-                <a:latin typeface="Consolas" panose="020B0609020204030204" pitchFamily="49" charset="0"/>
-                <a:cs typeface="Calibri"/>
-              </a:rPr>
-              <a:t>.</a:t>
-            </a:r>
-            <a:endParaRPr sz="1050" dirty="0">
-              <a:latin typeface="Consolas" panose="020B0609020204030204" pitchFamily="49" charset="0"/>
-              <a:cs typeface="Calibri"/>
-            </a:endParaRPr>
-          </a:p>
-          <a:p>
-            <a:pPr marL="12700" algn="just">
-              <a:lnSpc>
-                <a:spcPct val="100000"/>
-              </a:lnSpc>
-              <a:spcBef>
-                <a:spcPts val="125"/>
-              </a:spcBef>
-            </a:pPr>
-            <a:r>
-              <a:rPr sz="1050" spc="-10" dirty="0">
-                <a:latin typeface="Consolas" panose="020B0609020204030204" pitchFamily="49" charset="0"/>
-                <a:cs typeface="Cambria Math"/>
-              </a:rPr>
-              <a:t>𝑁</a:t>
-            </a:r>
-            <a:r>
-              <a:rPr sz="1050" spc="10" dirty="0">
-                <a:latin typeface="Consolas" panose="020B0609020204030204" pitchFamily="49" charset="0"/>
-                <a:cs typeface="Cambria Math"/>
-              </a:rPr>
-              <a:t> </a:t>
-            </a:r>
-            <a:r>
-              <a:rPr sz="1050" spc="-5" dirty="0">
-                <a:latin typeface="Consolas" panose="020B0609020204030204" pitchFamily="49" charset="0"/>
-                <a:cs typeface="Calibri"/>
-              </a:rPr>
-              <a:t>:</a:t>
-            </a:r>
-            <a:r>
-              <a:rPr sz="1050" dirty="0">
-                <a:latin typeface="Consolas" panose="020B0609020204030204" pitchFamily="49" charset="0"/>
-                <a:cs typeface="Calibri"/>
-              </a:rPr>
-              <a:t> </a:t>
-            </a:r>
-            <a:r>
-              <a:rPr sz="1050" spc="-5" dirty="0">
-                <a:latin typeface="Consolas" panose="020B0609020204030204" pitchFamily="49" charset="0"/>
-                <a:cs typeface="Calibri"/>
-              </a:rPr>
-              <a:t>Ensemble</a:t>
-            </a:r>
-            <a:r>
-              <a:rPr sz="1050" spc="20" dirty="0">
-                <a:latin typeface="Consolas" panose="020B0609020204030204" pitchFamily="49" charset="0"/>
-                <a:cs typeface="Calibri"/>
-              </a:rPr>
-              <a:t> </a:t>
-            </a:r>
-            <a:r>
-              <a:rPr sz="1050" spc="-10" dirty="0">
-                <a:latin typeface="Consolas" panose="020B0609020204030204" pitchFamily="49" charset="0"/>
-                <a:cs typeface="Calibri"/>
-              </a:rPr>
-              <a:t>des</a:t>
-            </a:r>
-            <a:r>
-              <a:rPr sz="1050" dirty="0">
-                <a:latin typeface="Consolas" panose="020B0609020204030204" pitchFamily="49" charset="0"/>
-                <a:cs typeface="Calibri"/>
-              </a:rPr>
-              <a:t> </a:t>
-            </a:r>
-            <a:r>
-              <a:rPr sz="1050" spc="-5" dirty="0">
-                <a:latin typeface="Consolas" panose="020B0609020204030204" pitchFamily="49" charset="0"/>
-                <a:cs typeface="Calibri"/>
-              </a:rPr>
-              <a:t>variables</a:t>
-            </a:r>
-            <a:r>
-              <a:rPr sz="1050" spc="30" dirty="0">
-                <a:latin typeface="Consolas" panose="020B0609020204030204" pitchFamily="49" charset="0"/>
-                <a:cs typeface="Calibri"/>
-              </a:rPr>
-              <a:t> </a:t>
-            </a:r>
-            <a:r>
-              <a:rPr sz="1050" spc="-10" dirty="0">
-                <a:latin typeface="Consolas" panose="020B0609020204030204" pitchFamily="49" charset="0"/>
-                <a:cs typeface="Calibri"/>
-              </a:rPr>
-              <a:t>liées</a:t>
-            </a:r>
-            <a:r>
-              <a:rPr sz="1050" dirty="0">
-                <a:latin typeface="Consolas" panose="020B0609020204030204" pitchFamily="49" charset="0"/>
-                <a:cs typeface="Calibri"/>
-              </a:rPr>
-              <a:t> </a:t>
-            </a:r>
-            <a:r>
-              <a:rPr sz="1050" spc="-5" dirty="0">
-                <a:latin typeface="Consolas" panose="020B0609020204030204" pitchFamily="49" charset="0"/>
-                <a:cs typeface="Calibri"/>
-              </a:rPr>
-              <a:t>à</a:t>
-            </a:r>
-            <a:r>
-              <a:rPr sz="1050" spc="20" dirty="0">
-                <a:latin typeface="Consolas" panose="020B0609020204030204" pitchFamily="49" charset="0"/>
-                <a:cs typeface="Calibri"/>
-              </a:rPr>
-              <a:t> </a:t>
-            </a:r>
-            <a:r>
-              <a:rPr sz="1050" spc="-15" dirty="0">
-                <a:latin typeface="Consolas" panose="020B0609020204030204" pitchFamily="49" charset="0"/>
-                <a:cs typeface="Calibri"/>
-              </a:rPr>
-              <a:t>un</a:t>
-            </a:r>
-            <a:r>
-              <a:rPr sz="1050" dirty="0">
-                <a:latin typeface="Consolas" panose="020B0609020204030204" pitchFamily="49" charset="0"/>
-                <a:cs typeface="Calibri"/>
-              </a:rPr>
-              <a:t> </a:t>
-            </a:r>
-            <a:r>
-              <a:rPr sz="1050" spc="-10" dirty="0">
-                <a:latin typeface="Consolas" panose="020B0609020204030204" pitchFamily="49" charset="0"/>
-                <a:cs typeface="Calibri"/>
-              </a:rPr>
-              <a:t>mot</a:t>
-            </a:r>
-            <a:r>
-              <a:rPr lang="fr-FR" sz="1050" spc="-10" dirty="0">
-                <a:latin typeface="Consolas" panose="020B0609020204030204" pitchFamily="49" charset="0"/>
-                <a:cs typeface="Calibri"/>
-              </a:rPr>
-              <a:t>.</a:t>
-            </a:r>
-            <a:endParaRPr sz="1050" dirty="0">
-              <a:latin typeface="Consolas" panose="020B0609020204030204" pitchFamily="49" charset="0"/>
-              <a:cs typeface="Calibri"/>
-            </a:endParaRPr>
-          </a:p>
-          <a:p>
-            <a:pPr marL="12700" algn="just">
-              <a:lnSpc>
-                <a:spcPct val="100000"/>
-              </a:lnSpc>
-              <a:spcBef>
-                <a:spcPts val="120"/>
-              </a:spcBef>
-            </a:pPr>
-            <a:r>
-              <a:rPr sz="1050" spc="-5" dirty="0">
-                <a:latin typeface="Consolas" panose="020B0609020204030204" pitchFamily="49" charset="0"/>
-                <a:cs typeface="Cambria Math"/>
-              </a:rPr>
-              <a:t>𝑧</a:t>
-            </a:r>
-            <a:r>
-              <a:rPr sz="1050" spc="20" dirty="0">
-                <a:latin typeface="Consolas" panose="020B0609020204030204" pitchFamily="49" charset="0"/>
-                <a:cs typeface="Cambria Math"/>
-              </a:rPr>
-              <a:t> </a:t>
-            </a:r>
-            <a:r>
-              <a:rPr sz="1050" spc="-5" dirty="0">
-                <a:latin typeface="Consolas" panose="020B0609020204030204" pitchFamily="49" charset="0"/>
-                <a:cs typeface="Calibri"/>
-              </a:rPr>
-              <a:t>:</a:t>
-            </a:r>
-            <a:r>
-              <a:rPr sz="1050" spc="-25" dirty="0">
-                <a:latin typeface="Consolas" panose="020B0609020204030204" pitchFamily="49" charset="0"/>
-                <a:cs typeface="Calibri"/>
-              </a:rPr>
-              <a:t> </a:t>
-            </a:r>
-            <a:r>
-              <a:rPr sz="1050" spc="-5" dirty="0">
-                <a:latin typeface="Consolas" panose="020B0609020204030204" pitchFamily="49" charset="0"/>
-                <a:cs typeface="Calibri"/>
-              </a:rPr>
-              <a:t>Distribution</a:t>
-            </a:r>
-            <a:r>
-              <a:rPr sz="1050" spc="10" dirty="0">
-                <a:latin typeface="Consolas" panose="020B0609020204030204" pitchFamily="49" charset="0"/>
-                <a:cs typeface="Calibri"/>
-              </a:rPr>
-              <a:t> </a:t>
-            </a:r>
-            <a:r>
-              <a:rPr sz="1050" spc="-5" dirty="0">
-                <a:latin typeface="Consolas" panose="020B0609020204030204" pitchFamily="49" charset="0"/>
-                <a:cs typeface="Calibri"/>
-              </a:rPr>
-              <a:t>d’un</a:t>
-            </a:r>
-            <a:r>
-              <a:rPr sz="1050" dirty="0">
-                <a:latin typeface="Consolas" panose="020B0609020204030204" pitchFamily="49" charset="0"/>
-                <a:cs typeface="Calibri"/>
-              </a:rPr>
-              <a:t> </a:t>
-            </a:r>
-            <a:r>
-              <a:rPr sz="1050" spc="-5" dirty="0">
-                <a:latin typeface="Consolas" panose="020B0609020204030204" pitchFamily="49" charset="0"/>
-                <a:cs typeface="Calibri"/>
-              </a:rPr>
-              <a:t>topic</a:t>
-            </a:r>
-            <a:r>
-              <a:rPr sz="1050" spc="-20" dirty="0">
-                <a:latin typeface="Consolas" panose="020B0609020204030204" pitchFamily="49" charset="0"/>
-                <a:cs typeface="Calibri"/>
-              </a:rPr>
-              <a:t> </a:t>
-            </a:r>
-            <a:r>
-              <a:rPr sz="1050" spc="-5" dirty="0">
-                <a:latin typeface="Consolas" panose="020B0609020204030204" pitchFamily="49" charset="0"/>
-                <a:cs typeface="Calibri"/>
-              </a:rPr>
-              <a:t>pour</a:t>
-            </a:r>
-            <a:r>
-              <a:rPr sz="1050" spc="10" dirty="0">
-                <a:latin typeface="Consolas" panose="020B0609020204030204" pitchFamily="49" charset="0"/>
-                <a:cs typeface="Calibri"/>
-              </a:rPr>
-              <a:t> </a:t>
-            </a:r>
-            <a:r>
-              <a:rPr sz="1050" spc="-15" dirty="0">
-                <a:latin typeface="Consolas" panose="020B0609020204030204" pitchFamily="49" charset="0"/>
-                <a:cs typeface="Calibri"/>
-              </a:rPr>
-              <a:t>un</a:t>
-            </a:r>
-            <a:r>
-              <a:rPr sz="1050" dirty="0">
-                <a:latin typeface="Consolas" panose="020B0609020204030204" pitchFamily="49" charset="0"/>
-                <a:cs typeface="Calibri"/>
-              </a:rPr>
-              <a:t> </a:t>
-            </a:r>
-            <a:r>
-              <a:rPr sz="1050" spc="-10" dirty="0">
-                <a:latin typeface="Consolas" panose="020B0609020204030204" pitchFamily="49" charset="0"/>
-                <a:cs typeface="Calibri"/>
-              </a:rPr>
-              <a:t>mot</a:t>
-            </a:r>
-            <a:r>
-              <a:rPr lang="fr-FR" sz="1050" spc="-10" dirty="0">
-                <a:latin typeface="Consolas" panose="020B0609020204030204" pitchFamily="49" charset="0"/>
-                <a:cs typeface="Calibri"/>
-              </a:rPr>
-              <a:t>.</a:t>
-            </a:r>
-            <a:endParaRPr sz="1050" dirty="0">
-              <a:latin typeface="Consolas" panose="020B0609020204030204" pitchFamily="49" charset="0"/>
-              <a:cs typeface="Calibri"/>
-            </a:endParaRPr>
-          </a:p>
-          <a:p>
-            <a:pPr marL="12700" algn="just">
-              <a:lnSpc>
-                <a:spcPct val="100000"/>
-              </a:lnSpc>
-              <a:spcBef>
-                <a:spcPts val="120"/>
-              </a:spcBef>
-            </a:pPr>
-            <a:r>
-              <a:rPr sz="1050" spc="-5" dirty="0">
-                <a:latin typeface="Consolas" panose="020B0609020204030204" pitchFamily="49" charset="0"/>
-                <a:cs typeface="Cambria Math"/>
-              </a:rPr>
-              <a:t>𝑤:</a:t>
-            </a:r>
-            <a:r>
-              <a:rPr sz="1050" spc="-20" dirty="0">
-                <a:latin typeface="Consolas" panose="020B0609020204030204" pitchFamily="49" charset="0"/>
-                <a:cs typeface="Cambria Math"/>
-              </a:rPr>
-              <a:t> </a:t>
-            </a:r>
-            <a:r>
-              <a:rPr sz="1050" dirty="0">
-                <a:latin typeface="Consolas" panose="020B0609020204030204" pitchFamily="49" charset="0"/>
-                <a:cs typeface="Calibri"/>
-              </a:rPr>
-              <a:t>Mot</a:t>
-            </a:r>
-            <a:r>
-              <a:rPr lang="fr-FR" sz="1050" dirty="0">
-                <a:latin typeface="Consolas" panose="020B0609020204030204" pitchFamily="49" charset="0"/>
-                <a:cs typeface="Calibri"/>
-              </a:rPr>
-              <a:t>.</a:t>
-            </a:r>
-            <a:endParaRPr sz="1050" dirty="0">
-              <a:latin typeface="Consolas" panose="020B0609020204030204" pitchFamily="49" charset="0"/>
-              <a:cs typeface="Calibri"/>
-            </a:endParaRPr>
-          </a:p>
-        </p:txBody>
-      </p:sp>
-      <p:sp>
-        <p:nvSpPr>
-          <p:cNvPr id="8" name="Slide Number Placeholder 9">
-            <a:extLst>
-              <a:ext uri="{FF2B5EF4-FFF2-40B4-BE49-F238E27FC236}">
-                <a16:creationId xmlns:a16="http://schemas.microsoft.com/office/drawing/2014/main" id="{E0D68847-B540-7ED2-4A26-241E83335CC1}"/>
-              </a:ext>
-            </a:extLst>
-          </p:cNvPr>
-          <p:cNvSpPr txBox="1">
-            <a:spLocks/>
-          </p:cNvSpPr>
-          <p:nvPr/>
-        </p:nvSpPr>
-        <p:spPr>
-          <a:xfrm>
-            <a:off x="3520438" y="4937125"/>
-            <a:ext cx="2103120" cy="200055"/>
-          </a:xfrm>
-          <a:prstGeom prst="rect">
-            <a:avLst/>
-          </a:prstGeom>
-        </p:spPr>
-        <p:txBody>
-          <a:bodyPr wrap="square" lIns="0" tIns="0" rIns="0" bIns="0">
-            <a:spAutoFit/>
-          </a:bodyPr>
-          <a:lstStyle>
-            <a:defPPr>
-              <a:defRPr lang="fr-FR"/>
-            </a:defPPr>
-            <a:lvl1pPr marL="0" algn="r" defTabSz="914400" rtl="0" eaLnBrk="1" latinLnBrk="0" hangingPunct="1">
-              <a:defRPr sz="1800" kern="1200">
-                <a:solidFill>
-                  <a:schemeClr val="tx1">
-                    <a:tint val="75000"/>
-                  </a:schemeClr>
-                </a:solidFill>
-                <a:latin typeface="+mn-lt"/>
-                <a:ea typeface="+mn-ea"/>
-                <a:cs typeface="+mn-cs"/>
-              </a:defRPr>
-            </a:lvl1pPr>
-            <a:lvl2pPr marL="457200" algn="l" defTabSz="914400" rtl="0" eaLnBrk="1" latinLnBrk="0" hangingPunct="1">
-              <a:defRPr sz="1800" kern="1200">
-                <a:solidFill>
-                  <a:schemeClr val="tx1"/>
-                </a:solidFill>
-                <a:latin typeface="+mn-lt"/>
-                <a:ea typeface="+mn-ea"/>
-                <a:cs typeface="+mn-cs"/>
-              </a:defRPr>
-            </a:lvl2pPr>
-            <a:lvl3pPr marL="914400" algn="l" defTabSz="914400" rtl="0" eaLnBrk="1" latinLnBrk="0" hangingPunct="1">
-              <a:defRPr sz="1800" kern="1200">
-                <a:solidFill>
-                  <a:schemeClr val="tx1"/>
-                </a:solidFill>
-                <a:latin typeface="+mn-lt"/>
-                <a:ea typeface="+mn-ea"/>
-                <a:cs typeface="+mn-cs"/>
-              </a:defRPr>
-            </a:lvl3pPr>
-            <a:lvl4pPr marL="1371600" algn="l" defTabSz="914400" rtl="0" eaLnBrk="1" latinLnBrk="0" hangingPunct="1">
-              <a:defRPr sz="1800" kern="1200">
-                <a:solidFill>
-                  <a:schemeClr val="tx1"/>
-                </a:solidFill>
-                <a:latin typeface="+mn-lt"/>
-                <a:ea typeface="+mn-ea"/>
-                <a:cs typeface="+mn-cs"/>
-              </a:defRPr>
-            </a:lvl4pPr>
-            <a:lvl5pPr marL="1828800" algn="l" defTabSz="914400" rtl="0" eaLnBrk="1" latinLnBrk="0" hangingPunct="1">
-              <a:defRPr sz="1800" kern="1200">
-                <a:solidFill>
-                  <a:schemeClr val="tx1"/>
-                </a:solidFill>
-                <a:latin typeface="+mn-lt"/>
-                <a:ea typeface="+mn-ea"/>
-                <a:cs typeface="+mn-cs"/>
-              </a:defRPr>
-            </a:lvl5pPr>
-            <a:lvl6pPr marL="2286000" algn="l" defTabSz="914400" rtl="0" eaLnBrk="1" latinLnBrk="0" hangingPunct="1">
-              <a:defRPr sz="1800" kern="1200">
-                <a:solidFill>
-                  <a:schemeClr val="tx1"/>
-                </a:solidFill>
-                <a:latin typeface="+mn-lt"/>
-                <a:ea typeface="+mn-ea"/>
-                <a:cs typeface="+mn-cs"/>
-              </a:defRPr>
-            </a:lvl6pPr>
-            <a:lvl7pPr marL="2743200" algn="l" defTabSz="914400" rtl="0" eaLnBrk="1" latinLnBrk="0" hangingPunct="1">
-              <a:defRPr sz="1800" kern="1200">
-                <a:solidFill>
-                  <a:schemeClr val="tx1"/>
-                </a:solidFill>
-                <a:latin typeface="+mn-lt"/>
-                <a:ea typeface="+mn-ea"/>
-                <a:cs typeface="+mn-cs"/>
-              </a:defRPr>
-            </a:lvl7pPr>
-            <a:lvl8pPr marL="3200400" algn="l" defTabSz="914400" rtl="0" eaLnBrk="1" latinLnBrk="0" hangingPunct="1">
-              <a:defRPr sz="1800" kern="1200">
-                <a:solidFill>
-                  <a:schemeClr val="tx1"/>
-                </a:solidFill>
-                <a:latin typeface="+mn-lt"/>
-                <a:ea typeface="+mn-ea"/>
-                <a:cs typeface="+mn-cs"/>
-              </a:defRPr>
-            </a:lvl8pPr>
-            <a:lvl9pPr marL="3657600" algn="l" defTabSz="914400" rtl="0" eaLnBrk="1" latinLnBrk="0" hangingPunct="1">
-              <a:defRPr sz="1800" kern="1200">
-                <a:solidFill>
-                  <a:schemeClr val="tx1"/>
-                </a:solidFill>
-                <a:latin typeface="+mn-lt"/>
-                <a:ea typeface="+mn-ea"/>
-                <a:cs typeface="+mn-cs"/>
-              </a:defRPr>
-            </a:lvl9pPr>
-          </a:lstStyle>
-          <a:p>
-            <a:pPr algn="ctr"/>
-            <a:fld id="{B6F15528-21DE-4FAA-801E-634DDDAF4B2B}" type="slidenum">
-              <a:rPr lang="en-US" sz="1300" b="1" smtClean="0">
-                <a:solidFill>
-                  <a:schemeClr val="bg1"/>
-                </a:solidFill>
-              </a:rPr>
-              <a:pPr algn="ctr"/>
-              <a:t>19</a:t>
-            </a:fld>
-            <a:endParaRPr lang="en-US" sz="1300" b="1" dirty="0">
-              <a:solidFill>
-                <a:schemeClr val="bg1"/>
-              </a:solidFill>
-            </a:endParaRPr>
-          </a:p>
-        </p:txBody>
-      </p:sp>
-      <p:pic>
-        <p:nvPicPr>
-          <p:cNvPr id="10" name="object 4">
-            <a:extLst>
-              <a:ext uri="{FF2B5EF4-FFF2-40B4-BE49-F238E27FC236}">
-                <a16:creationId xmlns:a16="http://schemas.microsoft.com/office/drawing/2014/main" id="{2D4A01F9-7F0A-0A17-29F7-1C5AEF61A1E1}"/>
-              </a:ext>
-            </a:extLst>
-          </p:cNvPr>
-          <p:cNvPicPr/>
-          <p:nvPr/>
-        </p:nvPicPr>
-        <p:blipFill>
-          <a:blip r:embed="rId2" cstate="print"/>
-          <a:stretch>
-            <a:fillRect/>
-          </a:stretch>
-        </p:blipFill>
-        <p:spPr>
-          <a:xfrm>
-            <a:off x="4953000" y="2597694"/>
-            <a:ext cx="3395979" cy="1778000"/>
-          </a:xfrm>
-          <a:prstGeom prst="rect">
-            <a:avLst/>
-          </a:prstGeom>
-        </p:spPr>
-      </p:pic>
-      <p:sp>
-        <p:nvSpPr>
-          <p:cNvPr id="2" name="object 3">
-            <a:extLst>
-              <a:ext uri="{FF2B5EF4-FFF2-40B4-BE49-F238E27FC236}">
-                <a16:creationId xmlns:a16="http://schemas.microsoft.com/office/drawing/2014/main" id="{64DFF202-908F-5FEC-5669-3564ACE9415A}"/>
-              </a:ext>
-            </a:extLst>
-          </p:cNvPr>
-          <p:cNvSpPr txBox="1">
-            <a:spLocks/>
-          </p:cNvSpPr>
-          <p:nvPr/>
-        </p:nvSpPr>
-        <p:spPr>
-          <a:xfrm>
-            <a:off x="152400" y="775746"/>
-            <a:ext cx="9143999" cy="319959"/>
-          </a:xfrm>
-          <a:prstGeom prst="rect">
-            <a:avLst/>
-          </a:prstGeom>
-        </p:spPr>
-        <p:txBody>
-          <a:bodyPr vert="horz" wrap="square" lIns="0" tIns="12065" rIns="0" bIns="0" rtlCol="0">
-            <a:spAutoFit/>
-          </a:bodyPr>
-          <a:lstStyle>
-            <a:lvl1pPr>
-              <a:defRPr sz="2600" b="1" i="0">
-                <a:solidFill>
-                  <a:srgbClr val="404040"/>
-                </a:solidFill>
-                <a:latin typeface="Arial"/>
-                <a:ea typeface="+mj-ea"/>
-                <a:cs typeface="Arial"/>
-              </a:defRPr>
-            </a:lvl1pPr>
-          </a:lstStyle>
-          <a:p>
-            <a:pPr marL="12700" algn="ctr">
-              <a:spcBef>
-                <a:spcPts val="95"/>
-              </a:spcBef>
-            </a:pPr>
-            <a:r>
-              <a:rPr lang="fr-FR" sz="2000" b="0" spc="300" dirty="0">
-                <a:solidFill>
-                  <a:schemeClr val="tx1"/>
-                </a:solidFill>
-                <a:latin typeface="Consolas" panose="020B0609020204030204" pitchFamily="49" charset="0"/>
-              </a:rPr>
-              <a:t>Latent Dirichlet Allocation</a:t>
-            </a:r>
-          </a:p>
-        </p:txBody>
-      </p:sp>
-      <p:sp>
-        <p:nvSpPr>
-          <p:cNvPr id="3" name="TextBox 10">
-            <a:extLst>
-              <a:ext uri="{FF2B5EF4-FFF2-40B4-BE49-F238E27FC236}">
-                <a16:creationId xmlns:a16="http://schemas.microsoft.com/office/drawing/2014/main" id="{C60A2C3A-5E33-106D-1854-0A619C64D869}"/>
-              </a:ext>
-            </a:extLst>
-          </p:cNvPr>
-          <p:cNvSpPr txBox="1"/>
-          <p:nvPr/>
-        </p:nvSpPr>
-        <p:spPr>
-          <a:xfrm>
-            <a:off x="467104" y="1721160"/>
-            <a:ext cx="8209787" cy="830997"/>
-          </a:xfrm>
-          <a:prstGeom prst="rect">
-            <a:avLst/>
-          </a:prstGeom>
-          <a:noFill/>
-        </p:spPr>
-        <p:txBody>
-          <a:bodyPr wrap="square">
-            <a:spAutoFit/>
-          </a:bodyPr>
-          <a:lstStyle/>
-          <a:p>
-            <a:pPr algn="just"/>
-            <a:r>
-              <a:rPr lang="fr-FR" sz="1200" spc="-10" dirty="0">
-                <a:latin typeface="Consolas" panose="020B0609020204030204" pitchFamily="49" charset="0"/>
-                <a:cs typeface="Calibri"/>
-              </a:rPr>
-              <a:t>LDA est un modèle statistique de "topic modeling" qui identifie les sujets clés dans un ensemble de documents en attribuant des distributions de mots aux sujets. Il permet de découvrir les thèmes sous-jacents présents dans les textes grâce à des méthodes d'inférence statistique itératives.</a:t>
             </a:r>
           </a:p>
         </p:txBody>
@@ -21333,6 +20306,1288 @@
 </file>
 
 <file path=ppt/slides/slide20.xml><?xml version="1.0" encoding="utf-8"?>
+<p:sld xmlns:a="http://schemas.openxmlformats.org/drawingml/2006/main" xmlns:r="http://schemas.openxmlformats.org/officeDocument/2006/relationships" xmlns:p="http://schemas.openxmlformats.org/presentationml/2006/main">
+  <p:cSld>
+    <p:spTree>
+      <p:nvGrpSpPr>
+        <p:cNvPr id="1" name=""/>
+        <p:cNvGrpSpPr/>
+        <p:nvPr/>
+      </p:nvGrpSpPr>
+      <p:grpSpPr>
+        <a:xfrm>
+          <a:off x="0" y="0"/>
+          <a:ext cx="0" cy="0"/>
+          <a:chOff x="0" y="0"/>
+          <a:chExt cx="0" cy="0"/>
+        </a:xfrm>
+      </p:grpSpPr>
+      <p:sp>
+        <p:nvSpPr>
+          <p:cNvPr id="11" name="object 2">
+            <a:extLst>
+              <a:ext uri="{FF2B5EF4-FFF2-40B4-BE49-F238E27FC236}">
+                <a16:creationId xmlns:a16="http://schemas.microsoft.com/office/drawing/2014/main" id="{BC04982C-8C1D-AE61-582A-419C2A669141}"/>
+              </a:ext>
+            </a:extLst>
+          </p:cNvPr>
+          <p:cNvSpPr/>
+          <p:nvPr/>
+        </p:nvSpPr>
+        <p:spPr>
+          <a:xfrm>
+            <a:off x="1" y="12"/>
+            <a:ext cx="9144000" cy="5149838"/>
+          </a:xfrm>
+          <a:custGeom>
+            <a:avLst/>
+            <a:gdLst/>
+            <a:ahLst/>
+            <a:cxnLst/>
+            <a:rect l="l" t="t" r="r" b="b"/>
+            <a:pathLst>
+              <a:path w="9134475" h="5144135">
+                <a:moveTo>
+                  <a:pt x="9134475" y="0"/>
+                </a:moveTo>
+                <a:lnTo>
+                  <a:pt x="8978011" y="0"/>
+                </a:lnTo>
+                <a:lnTo>
+                  <a:pt x="8978011" y="241"/>
+                </a:lnTo>
+                <a:lnTo>
+                  <a:pt x="8978011" y="157721"/>
+                </a:lnTo>
+                <a:lnTo>
+                  <a:pt x="8978011" y="4938001"/>
+                </a:lnTo>
+                <a:lnTo>
+                  <a:pt x="204050" y="4938001"/>
+                </a:lnTo>
+                <a:lnTo>
+                  <a:pt x="204050" y="157721"/>
+                </a:lnTo>
+                <a:lnTo>
+                  <a:pt x="8978011" y="157721"/>
+                </a:lnTo>
+                <a:lnTo>
+                  <a:pt x="8978011" y="241"/>
+                </a:lnTo>
+                <a:lnTo>
+                  <a:pt x="0" y="241"/>
+                </a:lnTo>
+                <a:lnTo>
+                  <a:pt x="0" y="157721"/>
+                </a:lnTo>
+                <a:lnTo>
+                  <a:pt x="0" y="4938001"/>
+                </a:lnTo>
+                <a:lnTo>
+                  <a:pt x="0" y="5143741"/>
+                </a:lnTo>
+                <a:lnTo>
+                  <a:pt x="9134475" y="5143741"/>
+                </a:lnTo>
+                <a:lnTo>
+                  <a:pt x="9134475" y="4938420"/>
+                </a:lnTo>
+                <a:lnTo>
+                  <a:pt x="9134475" y="4938001"/>
+                </a:lnTo>
+                <a:lnTo>
+                  <a:pt x="9134475" y="0"/>
+                </a:lnTo>
+                <a:close/>
+              </a:path>
+            </a:pathLst>
+          </a:custGeom>
+          <a:solidFill>
+            <a:srgbClr val="BBBBBB"/>
+          </a:solidFill>
+        </p:spPr>
+        <p:txBody>
+          <a:bodyPr wrap="square" lIns="0" tIns="0" rIns="0" bIns="0" rtlCol="0"/>
+          <a:lstStyle/>
+          <a:p>
+            <a:endParaRPr/>
+          </a:p>
+        </p:txBody>
+      </p:sp>
+      <p:sp>
+        <p:nvSpPr>
+          <p:cNvPr id="9" name="object 3">
+            <a:extLst>
+              <a:ext uri="{FF2B5EF4-FFF2-40B4-BE49-F238E27FC236}">
+                <a16:creationId xmlns:a16="http://schemas.microsoft.com/office/drawing/2014/main" id="{45D0663B-6265-5A3D-6486-15A076560D2B}"/>
+              </a:ext>
+            </a:extLst>
+          </p:cNvPr>
+          <p:cNvSpPr txBox="1">
+            <a:spLocks/>
+          </p:cNvSpPr>
+          <p:nvPr/>
+        </p:nvSpPr>
+        <p:spPr>
+          <a:xfrm>
+            <a:off x="1" y="277175"/>
+            <a:ext cx="9143999" cy="412292"/>
+          </a:xfrm>
+          <a:prstGeom prst="rect">
+            <a:avLst/>
+          </a:prstGeom>
+        </p:spPr>
+        <p:txBody>
+          <a:bodyPr vert="horz" wrap="square" lIns="0" tIns="12065" rIns="0" bIns="0" rtlCol="0">
+            <a:spAutoFit/>
+          </a:bodyPr>
+          <a:lstStyle>
+            <a:lvl1pPr>
+              <a:defRPr sz="2600" b="1" i="0">
+                <a:solidFill>
+                  <a:srgbClr val="404040"/>
+                </a:solidFill>
+                <a:latin typeface="Arial"/>
+                <a:ea typeface="+mj-ea"/>
+                <a:cs typeface="Arial"/>
+              </a:defRPr>
+            </a:lvl1pPr>
+          </a:lstStyle>
+          <a:p>
+            <a:pPr marL="12700" algn="ctr">
+              <a:spcBef>
+                <a:spcPts val="95"/>
+              </a:spcBef>
+            </a:pPr>
+            <a:r>
+              <a:rPr lang="fr-FR" spc="300" dirty="0">
+                <a:solidFill>
+                  <a:schemeClr val="tx1"/>
+                </a:solidFill>
+                <a:latin typeface="Consolas" panose="020B0609020204030204" pitchFamily="49" charset="0"/>
+              </a:rPr>
+              <a:t>Approche non supervisée</a:t>
+            </a:r>
+          </a:p>
+        </p:txBody>
+      </p:sp>
+      <p:sp>
+        <p:nvSpPr>
+          <p:cNvPr id="6" name="object 6"/>
+          <p:cNvSpPr txBox="1"/>
+          <p:nvPr/>
+        </p:nvSpPr>
+        <p:spPr>
+          <a:xfrm>
+            <a:off x="886606" y="3074435"/>
+            <a:ext cx="3657600" cy="1236236"/>
+          </a:xfrm>
+          <a:prstGeom prst="rect">
+            <a:avLst/>
+          </a:prstGeom>
+        </p:spPr>
+        <p:txBody>
+          <a:bodyPr vert="horz" wrap="square" lIns="0" tIns="27940" rIns="0" bIns="0" rtlCol="0">
+            <a:spAutoFit/>
+          </a:bodyPr>
+          <a:lstStyle/>
+          <a:p>
+            <a:pPr marL="12700" algn="just">
+              <a:lnSpc>
+                <a:spcPct val="100000"/>
+              </a:lnSpc>
+              <a:spcBef>
+                <a:spcPts val="220"/>
+              </a:spcBef>
+            </a:pPr>
+            <a:r>
+              <a:rPr sz="1050" spc="-5" dirty="0">
+                <a:latin typeface="Consolas" panose="020B0609020204030204" pitchFamily="49" charset="0"/>
+                <a:cs typeface="Cambria Math"/>
+              </a:rPr>
+              <a:t>𝛼</a:t>
+            </a:r>
+            <a:r>
+              <a:rPr sz="1050" spc="25" dirty="0">
+                <a:latin typeface="Consolas" panose="020B0609020204030204" pitchFamily="49" charset="0"/>
+                <a:cs typeface="Cambria Math"/>
+              </a:rPr>
+              <a:t> </a:t>
+            </a:r>
+            <a:r>
+              <a:rPr sz="1050" spc="-5" dirty="0">
+                <a:latin typeface="Consolas" panose="020B0609020204030204" pitchFamily="49" charset="0"/>
+                <a:cs typeface="Calibri"/>
+              </a:rPr>
+              <a:t>:</a:t>
+            </a:r>
+            <a:r>
+              <a:rPr sz="1050" dirty="0">
+                <a:latin typeface="Consolas" panose="020B0609020204030204" pitchFamily="49" charset="0"/>
+                <a:cs typeface="Calibri"/>
+              </a:rPr>
+              <a:t> </a:t>
+            </a:r>
+            <a:r>
+              <a:rPr sz="1050" spc="-10" dirty="0">
+                <a:latin typeface="Consolas" panose="020B0609020204030204" pitchFamily="49" charset="0"/>
+                <a:cs typeface="Calibri"/>
+              </a:rPr>
+              <a:t>Ensemble</a:t>
+            </a:r>
+            <a:r>
+              <a:rPr sz="1050" spc="20" dirty="0">
+                <a:latin typeface="Consolas" panose="020B0609020204030204" pitchFamily="49" charset="0"/>
+                <a:cs typeface="Calibri"/>
+              </a:rPr>
+              <a:t> </a:t>
+            </a:r>
+            <a:r>
+              <a:rPr sz="1050" spc="-15" dirty="0">
+                <a:latin typeface="Consolas" panose="020B0609020204030204" pitchFamily="49" charset="0"/>
+                <a:cs typeface="Calibri"/>
+              </a:rPr>
+              <a:t>de</a:t>
+            </a:r>
+            <a:r>
+              <a:rPr sz="1050" spc="15" dirty="0">
+                <a:latin typeface="Consolas" panose="020B0609020204030204" pitchFamily="49" charset="0"/>
+                <a:cs typeface="Calibri"/>
+              </a:rPr>
+              <a:t> </a:t>
+            </a:r>
+            <a:r>
+              <a:rPr sz="1050" spc="-10" dirty="0">
+                <a:latin typeface="Consolas" panose="020B0609020204030204" pitchFamily="49" charset="0"/>
+                <a:cs typeface="Calibri"/>
+              </a:rPr>
+              <a:t>tous</a:t>
+            </a:r>
+            <a:r>
+              <a:rPr sz="1050" spc="25" dirty="0">
+                <a:latin typeface="Consolas" panose="020B0609020204030204" pitchFamily="49" charset="0"/>
+                <a:cs typeface="Calibri"/>
+              </a:rPr>
+              <a:t> </a:t>
+            </a:r>
+            <a:r>
+              <a:rPr sz="1050" spc="-10" dirty="0">
+                <a:latin typeface="Consolas" panose="020B0609020204030204" pitchFamily="49" charset="0"/>
+                <a:cs typeface="Calibri"/>
+              </a:rPr>
+              <a:t>les</a:t>
+            </a:r>
+            <a:r>
+              <a:rPr sz="1050" dirty="0">
+                <a:latin typeface="Consolas" panose="020B0609020204030204" pitchFamily="49" charset="0"/>
+                <a:cs typeface="Calibri"/>
+              </a:rPr>
+              <a:t> </a:t>
+            </a:r>
+            <a:r>
+              <a:rPr sz="1050" spc="-10" dirty="0">
+                <a:latin typeface="Consolas" panose="020B0609020204030204" pitchFamily="49" charset="0"/>
+                <a:cs typeface="Calibri"/>
+              </a:rPr>
+              <a:t>topics</a:t>
+            </a:r>
+            <a:r>
+              <a:rPr lang="fr-FR" sz="1050" spc="-10" dirty="0">
+                <a:latin typeface="Consolas" panose="020B0609020204030204" pitchFamily="49" charset="0"/>
+                <a:cs typeface="Calibri"/>
+              </a:rPr>
+              <a:t>.</a:t>
+            </a:r>
+            <a:endParaRPr sz="1050" dirty="0">
+              <a:latin typeface="Consolas" panose="020B0609020204030204" pitchFamily="49" charset="0"/>
+              <a:cs typeface="Calibri"/>
+            </a:endParaRPr>
+          </a:p>
+          <a:p>
+            <a:pPr marL="12700" algn="just">
+              <a:lnSpc>
+                <a:spcPct val="100000"/>
+              </a:lnSpc>
+              <a:spcBef>
+                <a:spcPts val="120"/>
+              </a:spcBef>
+            </a:pPr>
+            <a:r>
+              <a:rPr sz="1050" spc="-5" dirty="0">
+                <a:latin typeface="Consolas" panose="020B0609020204030204" pitchFamily="49" charset="0"/>
+                <a:cs typeface="Cambria Math"/>
+              </a:rPr>
+              <a:t>𝛽</a:t>
+            </a:r>
+            <a:r>
+              <a:rPr sz="1050" spc="15" dirty="0">
+                <a:latin typeface="Consolas" panose="020B0609020204030204" pitchFamily="49" charset="0"/>
+                <a:cs typeface="Cambria Math"/>
+              </a:rPr>
+              <a:t> </a:t>
+            </a:r>
+            <a:r>
+              <a:rPr sz="1050" spc="-5" dirty="0">
+                <a:latin typeface="Consolas" panose="020B0609020204030204" pitchFamily="49" charset="0"/>
+                <a:cs typeface="Calibri"/>
+              </a:rPr>
+              <a:t>:</a:t>
+            </a:r>
+            <a:r>
+              <a:rPr sz="1050" spc="-20" dirty="0">
+                <a:latin typeface="Consolas" panose="020B0609020204030204" pitchFamily="49" charset="0"/>
+                <a:cs typeface="Calibri"/>
+              </a:rPr>
+              <a:t> </a:t>
+            </a:r>
+            <a:r>
+              <a:rPr sz="1050" spc="-10" dirty="0">
+                <a:latin typeface="Consolas" panose="020B0609020204030204" pitchFamily="49" charset="0"/>
+                <a:cs typeface="Calibri"/>
+              </a:rPr>
+              <a:t>Ensemble</a:t>
+            </a:r>
+            <a:r>
+              <a:rPr sz="1050" spc="25" dirty="0">
+                <a:latin typeface="Consolas" panose="020B0609020204030204" pitchFamily="49" charset="0"/>
+                <a:cs typeface="Calibri"/>
+              </a:rPr>
+              <a:t> </a:t>
+            </a:r>
+            <a:r>
+              <a:rPr sz="1050" spc="-10" dirty="0">
+                <a:latin typeface="Consolas" panose="020B0609020204030204" pitchFamily="49" charset="0"/>
+                <a:cs typeface="Calibri"/>
+              </a:rPr>
+              <a:t>des</a:t>
+            </a:r>
+            <a:r>
+              <a:rPr sz="1050" spc="5" dirty="0">
+                <a:latin typeface="Consolas" panose="020B0609020204030204" pitchFamily="49" charset="0"/>
+                <a:cs typeface="Calibri"/>
+              </a:rPr>
+              <a:t> </a:t>
+            </a:r>
+            <a:r>
+              <a:rPr sz="1050" spc="-5" dirty="0">
+                <a:latin typeface="Consolas" panose="020B0609020204030204" pitchFamily="49" charset="0"/>
+                <a:cs typeface="Calibri"/>
+              </a:rPr>
+              <a:t>mots</a:t>
+            </a:r>
+            <a:r>
+              <a:rPr sz="1050" dirty="0">
+                <a:latin typeface="Consolas" panose="020B0609020204030204" pitchFamily="49" charset="0"/>
+                <a:cs typeface="Calibri"/>
+              </a:rPr>
+              <a:t> </a:t>
+            </a:r>
+            <a:r>
+              <a:rPr sz="1050" spc="-15" dirty="0">
+                <a:latin typeface="Consolas" panose="020B0609020204030204" pitchFamily="49" charset="0"/>
+                <a:cs typeface="Calibri"/>
+              </a:rPr>
+              <a:t>de</a:t>
+            </a:r>
+            <a:r>
+              <a:rPr sz="1050" spc="-5" dirty="0">
+                <a:latin typeface="Consolas" panose="020B0609020204030204" pitchFamily="49" charset="0"/>
+                <a:cs typeface="Calibri"/>
+              </a:rPr>
+              <a:t> tous</a:t>
+            </a:r>
+            <a:r>
+              <a:rPr sz="1050" spc="-20" dirty="0">
+                <a:latin typeface="Consolas" panose="020B0609020204030204" pitchFamily="49" charset="0"/>
+                <a:cs typeface="Calibri"/>
+              </a:rPr>
+              <a:t> </a:t>
+            </a:r>
+            <a:r>
+              <a:rPr sz="1050" spc="-10" dirty="0">
+                <a:latin typeface="Consolas" panose="020B0609020204030204" pitchFamily="49" charset="0"/>
+                <a:cs typeface="Calibri"/>
+              </a:rPr>
+              <a:t>les</a:t>
+            </a:r>
+            <a:r>
+              <a:rPr sz="1050" spc="25" dirty="0">
+                <a:latin typeface="Consolas" panose="020B0609020204030204" pitchFamily="49" charset="0"/>
+                <a:cs typeface="Calibri"/>
+              </a:rPr>
+              <a:t> </a:t>
+            </a:r>
+            <a:r>
+              <a:rPr sz="1050" spc="-5" dirty="0">
+                <a:latin typeface="Consolas" panose="020B0609020204030204" pitchFamily="49" charset="0"/>
+                <a:cs typeface="Calibri"/>
+              </a:rPr>
+              <a:t>documents</a:t>
+            </a:r>
+            <a:r>
+              <a:rPr lang="fr-FR" sz="1050" spc="-5" dirty="0">
+                <a:latin typeface="Consolas" panose="020B0609020204030204" pitchFamily="49" charset="0"/>
+                <a:cs typeface="Calibri"/>
+              </a:rPr>
+              <a:t>.</a:t>
+            </a:r>
+            <a:endParaRPr sz="1050" dirty="0">
+              <a:latin typeface="Consolas" panose="020B0609020204030204" pitchFamily="49" charset="0"/>
+              <a:cs typeface="Calibri"/>
+            </a:endParaRPr>
+          </a:p>
+          <a:p>
+            <a:pPr marL="12700" algn="just">
+              <a:lnSpc>
+                <a:spcPct val="100000"/>
+              </a:lnSpc>
+              <a:spcBef>
+                <a:spcPts val="120"/>
+              </a:spcBef>
+            </a:pPr>
+            <a:r>
+              <a:rPr sz="1050" spc="-10" dirty="0">
+                <a:latin typeface="Consolas" panose="020B0609020204030204" pitchFamily="49" charset="0"/>
+                <a:cs typeface="Cambria Math"/>
+              </a:rPr>
+              <a:t>𝑀</a:t>
+            </a:r>
+            <a:r>
+              <a:rPr sz="1050" spc="10" dirty="0">
+                <a:latin typeface="Consolas" panose="020B0609020204030204" pitchFamily="49" charset="0"/>
+                <a:cs typeface="Cambria Math"/>
+              </a:rPr>
+              <a:t> </a:t>
+            </a:r>
+            <a:r>
+              <a:rPr sz="1050" spc="-5" dirty="0">
+                <a:latin typeface="Consolas" panose="020B0609020204030204" pitchFamily="49" charset="0"/>
+                <a:cs typeface="Calibri"/>
+              </a:rPr>
+              <a:t>:</a:t>
+            </a:r>
+            <a:r>
+              <a:rPr sz="1050" spc="5" dirty="0">
+                <a:latin typeface="Consolas" panose="020B0609020204030204" pitchFamily="49" charset="0"/>
+                <a:cs typeface="Calibri"/>
+              </a:rPr>
+              <a:t> </a:t>
+            </a:r>
+            <a:r>
+              <a:rPr sz="1050" spc="-10" dirty="0">
+                <a:latin typeface="Consolas" panose="020B0609020204030204" pitchFamily="49" charset="0"/>
+                <a:cs typeface="Calibri"/>
+              </a:rPr>
+              <a:t>Ensemble</a:t>
+            </a:r>
+            <a:r>
+              <a:rPr sz="1050" spc="45" dirty="0">
+                <a:latin typeface="Consolas" panose="020B0609020204030204" pitchFamily="49" charset="0"/>
+                <a:cs typeface="Calibri"/>
+              </a:rPr>
+              <a:t> </a:t>
+            </a:r>
+            <a:r>
+              <a:rPr sz="1050" spc="-10" dirty="0">
+                <a:latin typeface="Consolas" panose="020B0609020204030204" pitchFamily="49" charset="0"/>
+                <a:cs typeface="Calibri"/>
+              </a:rPr>
+              <a:t>des</a:t>
+            </a:r>
+            <a:r>
+              <a:rPr sz="1050" dirty="0">
+                <a:latin typeface="Consolas" panose="020B0609020204030204" pitchFamily="49" charset="0"/>
+                <a:cs typeface="Calibri"/>
+              </a:rPr>
+              <a:t> </a:t>
+            </a:r>
+            <a:r>
+              <a:rPr sz="1050" spc="-10" dirty="0">
+                <a:latin typeface="Consolas" panose="020B0609020204030204" pitchFamily="49" charset="0"/>
+                <a:cs typeface="Calibri"/>
+              </a:rPr>
+              <a:t>variables</a:t>
+            </a:r>
+            <a:r>
+              <a:rPr sz="1050" spc="30" dirty="0">
+                <a:latin typeface="Consolas" panose="020B0609020204030204" pitchFamily="49" charset="0"/>
+                <a:cs typeface="Calibri"/>
+              </a:rPr>
+              <a:t> </a:t>
+            </a:r>
+            <a:r>
+              <a:rPr sz="1050" spc="-5" dirty="0">
+                <a:latin typeface="Consolas" panose="020B0609020204030204" pitchFamily="49" charset="0"/>
+                <a:cs typeface="Calibri"/>
+              </a:rPr>
+              <a:t>liée</a:t>
+            </a:r>
+            <a:r>
+              <a:rPr sz="1050" spc="-20" dirty="0">
+                <a:latin typeface="Consolas" panose="020B0609020204030204" pitchFamily="49" charset="0"/>
+                <a:cs typeface="Calibri"/>
+              </a:rPr>
+              <a:t> </a:t>
+            </a:r>
+            <a:r>
+              <a:rPr sz="1050" spc="-5" dirty="0">
+                <a:latin typeface="Consolas" panose="020B0609020204030204" pitchFamily="49" charset="0"/>
+                <a:cs typeface="Calibri"/>
+              </a:rPr>
+              <a:t>à</a:t>
+            </a:r>
+            <a:r>
+              <a:rPr sz="1050" spc="15" dirty="0">
+                <a:latin typeface="Consolas" panose="020B0609020204030204" pitchFamily="49" charset="0"/>
+                <a:cs typeface="Calibri"/>
+              </a:rPr>
+              <a:t> </a:t>
+            </a:r>
+            <a:r>
+              <a:rPr sz="1050" dirty="0">
+                <a:latin typeface="Consolas" panose="020B0609020204030204" pitchFamily="49" charset="0"/>
+                <a:cs typeface="Calibri"/>
+              </a:rPr>
+              <a:t>un</a:t>
+            </a:r>
+            <a:r>
+              <a:rPr sz="1050" spc="-15" dirty="0">
+                <a:latin typeface="Consolas" panose="020B0609020204030204" pitchFamily="49" charset="0"/>
+                <a:cs typeface="Calibri"/>
+              </a:rPr>
+              <a:t> </a:t>
+            </a:r>
+            <a:r>
+              <a:rPr sz="1050" spc="-5" dirty="0">
+                <a:latin typeface="Consolas" panose="020B0609020204030204" pitchFamily="49" charset="0"/>
+                <a:cs typeface="Calibri"/>
+              </a:rPr>
+              <a:t>document</a:t>
+            </a:r>
+            <a:r>
+              <a:rPr lang="fr-FR" sz="1050" spc="-5" dirty="0">
+                <a:latin typeface="Consolas" panose="020B0609020204030204" pitchFamily="49" charset="0"/>
+                <a:cs typeface="Calibri"/>
+              </a:rPr>
+              <a:t>.</a:t>
+            </a:r>
+            <a:endParaRPr sz="1050" dirty="0">
+              <a:latin typeface="Consolas" panose="020B0609020204030204" pitchFamily="49" charset="0"/>
+              <a:cs typeface="Calibri"/>
+            </a:endParaRPr>
+          </a:p>
+          <a:p>
+            <a:pPr marL="12700" algn="just">
+              <a:lnSpc>
+                <a:spcPct val="100000"/>
+              </a:lnSpc>
+              <a:spcBef>
+                <a:spcPts val="120"/>
+              </a:spcBef>
+            </a:pPr>
+            <a:r>
+              <a:rPr sz="1050" spc="-5" dirty="0">
+                <a:latin typeface="Consolas" panose="020B0609020204030204" pitchFamily="49" charset="0"/>
+                <a:cs typeface="Cambria Math"/>
+              </a:rPr>
+              <a:t>𝜃</a:t>
+            </a:r>
+            <a:r>
+              <a:rPr sz="1050" spc="30" dirty="0">
+                <a:latin typeface="Consolas" panose="020B0609020204030204" pitchFamily="49" charset="0"/>
+                <a:cs typeface="Cambria Math"/>
+              </a:rPr>
+              <a:t> </a:t>
+            </a:r>
+            <a:r>
+              <a:rPr sz="1050" spc="-5" dirty="0">
+                <a:latin typeface="Consolas" panose="020B0609020204030204" pitchFamily="49" charset="0"/>
+                <a:cs typeface="Calibri"/>
+              </a:rPr>
+              <a:t>:</a:t>
+            </a:r>
+            <a:r>
+              <a:rPr sz="1050" spc="-25" dirty="0">
+                <a:latin typeface="Consolas" panose="020B0609020204030204" pitchFamily="49" charset="0"/>
+                <a:cs typeface="Calibri"/>
+              </a:rPr>
+              <a:t> </a:t>
+            </a:r>
+            <a:r>
+              <a:rPr sz="1050" spc="-5" dirty="0">
+                <a:latin typeface="Consolas" panose="020B0609020204030204" pitchFamily="49" charset="0"/>
+                <a:cs typeface="Calibri"/>
+              </a:rPr>
+              <a:t>Distribution</a:t>
+            </a:r>
+            <a:r>
+              <a:rPr sz="1050" spc="10" dirty="0">
+                <a:latin typeface="Consolas" panose="020B0609020204030204" pitchFamily="49" charset="0"/>
+                <a:cs typeface="Calibri"/>
+              </a:rPr>
+              <a:t> </a:t>
+            </a:r>
+            <a:r>
+              <a:rPr sz="1050" spc="-5" dirty="0">
+                <a:latin typeface="Consolas" panose="020B0609020204030204" pitchFamily="49" charset="0"/>
+                <a:cs typeface="Calibri"/>
+              </a:rPr>
+              <a:t>d’un</a:t>
+            </a:r>
+            <a:r>
+              <a:rPr sz="1050" dirty="0">
+                <a:latin typeface="Consolas" panose="020B0609020204030204" pitchFamily="49" charset="0"/>
+                <a:cs typeface="Calibri"/>
+              </a:rPr>
+              <a:t> </a:t>
+            </a:r>
+            <a:r>
+              <a:rPr sz="1050" spc="-5" dirty="0">
+                <a:latin typeface="Consolas" panose="020B0609020204030204" pitchFamily="49" charset="0"/>
+                <a:cs typeface="Calibri"/>
+              </a:rPr>
+              <a:t>topic</a:t>
+            </a:r>
+            <a:r>
+              <a:rPr sz="1050" spc="-20" dirty="0">
+                <a:latin typeface="Consolas" panose="020B0609020204030204" pitchFamily="49" charset="0"/>
+                <a:cs typeface="Calibri"/>
+              </a:rPr>
+              <a:t> </a:t>
+            </a:r>
+            <a:r>
+              <a:rPr sz="1050" spc="-5" dirty="0">
+                <a:latin typeface="Consolas" panose="020B0609020204030204" pitchFamily="49" charset="0"/>
+                <a:cs typeface="Calibri"/>
+              </a:rPr>
+              <a:t>pour</a:t>
+            </a:r>
+            <a:r>
+              <a:rPr sz="1050" spc="10" dirty="0">
+                <a:latin typeface="Consolas" panose="020B0609020204030204" pitchFamily="49" charset="0"/>
+                <a:cs typeface="Calibri"/>
+              </a:rPr>
+              <a:t> </a:t>
+            </a:r>
+            <a:r>
+              <a:rPr sz="1050" spc="-15" dirty="0">
+                <a:latin typeface="Consolas" panose="020B0609020204030204" pitchFamily="49" charset="0"/>
+                <a:cs typeface="Calibri"/>
+              </a:rPr>
+              <a:t>un</a:t>
+            </a:r>
+            <a:r>
+              <a:rPr sz="1050" dirty="0">
+                <a:latin typeface="Consolas" panose="020B0609020204030204" pitchFamily="49" charset="0"/>
+                <a:cs typeface="Calibri"/>
+              </a:rPr>
+              <a:t> </a:t>
+            </a:r>
+            <a:r>
+              <a:rPr sz="1050" spc="-5" dirty="0">
+                <a:latin typeface="Consolas" panose="020B0609020204030204" pitchFamily="49" charset="0"/>
+                <a:cs typeface="Calibri"/>
+              </a:rPr>
+              <a:t>document</a:t>
+            </a:r>
+            <a:r>
+              <a:rPr lang="fr-FR" sz="1050" spc="-5" dirty="0">
+                <a:latin typeface="Consolas" panose="020B0609020204030204" pitchFamily="49" charset="0"/>
+                <a:cs typeface="Calibri"/>
+              </a:rPr>
+              <a:t>.</a:t>
+            </a:r>
+            <a:endParaRPr sz="1050" dirty="0">
+              <a:latin typeface="Consolas" panose="020B0609020204030204" pitchFamily="49" charset="0"/>
+              <a:cs typeface="Calibri"/>
+            </a:endParaRPr>
+          </a:p>
+          <a:p>
+            <a:pPr marL="12700" algn="just">
+              <a:lnSpc>
+                <a:spcPct val="100000"/>
+              </a:lnSpc>
+              <a:spcBef>
+                <a:spcPts val="125"/>
+              </a:spcBef>
+            </a:pPr>
+            <a:r>
+              <a:rPr sz="1050" spc="-10" dirty="0">
+                <a:latin typeface="Consolas" panose="020B0609020204030204" pitchFamily="49" charset="0"/>
+                <a:cs typeface="Cambria Math"/>
+              </a:rPr>
+              <a:t>𝑁</a:t>
+            </a:r>
+            <a:r>
+              <a:rPr sz="1050" spc="10" dirty="0">
+                <a:latin typeface="Consolas" panose="020B0609020204030204" pitchFamily="49" charset="0"/>
+                <a:cs typeface="Cambria Math"/>
+              </a:rPr>
+              <a:t> </a:t>
+            </a:r>
+            <a:r>
+              <a:rPr sz="1050" spc="-5" dirty="0">
+                <a:latin typeface="Consolas" panose="020B0609020204030204" pitchFamily="49" charset="0"/>
+                <a:cs typeface="Calibri"/>
+              </a:rPr>
+              <a:t>:</a:t>
+            </a:r>
+            <a:r>
+              <a:rPr sz="1050" dirty="0">
+                <a:latin typeface="Consolas" panose="020B0609020204030204" pitchFamily="49" charset="0"/>
+                <a:cs typeface="Calibri"/>
+              </a:rPr>
+              <a:t> </a:t>
+            </a:r>
+            <a:r>
+              <a:rPr sz="1050" spc="-5" dirty="0">
+                <a:latin typeface="Consolas" panose="020B0609020204030204" pitchFamily="49" charset="0"/>
+                <a:cs typeface="Calibri"/>
+              </a:rPr>
+              <a:t>Ensemble</a:t>
+            </a:r>
+            <a:r>
+              <a:rPr sz="1050" spc="20" dirty="0">
+                <a:latin typeface="Consolas" panose="020B0609020204030204" pitchFamily="49" charset="0"/>
+                <a:cs typeface="Calibri"/>
+              </a:rPr>
+              <a:t> </a:t>
+            </a:r>
+            <a:r>
+              <a:rPr sz="1050" spc="-10" dirty="0">
+                <a:latin typeface="Consolas" panose="020B0609020204030204" pitchFamily="49" charset="0"/>
+                <a:cs typeface="Calibri"/>
+              </a:rPr>
+              <a:t>des</a:t>
+            </a:r>
+            <a:r>
+              <a:rPr sz="1050" dirty="0">
+                <a:latin typeface="Consolas" panose="020B0609020204030204" pitchFamily="49" charset="0"/>
+                <a:cs typeface="Calibri"/>
+              </a:rPr>
+              <a:t> </a:t>
+            </a:r>
+            <a:r>
+              <a:rPr sz="1050" spc="-5" dirty="0">
+                <a:latin typeface="Consolas" panose="020B0609020204030204" pitchFamily="49" charset="0"/>
+                <a:cs typeface="Calibri"/>
+              </a:rPr>
+              <a:t>variables</a:t>
+            </a:r>
+            <a:r>
+              <a:rPr sz="1050" spc="30" dirty="0">
+                <a:latin typeface="Consolas" panose="020B0609020204030204" pitchFamily="49" charset="0"/>
+                <a:cs typeface="Calibri"/>
+              </a:rPr>
+              <a:t> </a:t>
+            </a:r>
+            <a:r>
+              <a:rPr sz="1050" spc="-10" dirty="0">
+                <a:latin typeface="Consolas" panose="020B0609020204030204" pitchFamily="49" charset="0"/>
+                <a:cs typeface="Calibri"/>
+              </a:rPr>
+              <a:t>liées</a:t>
+            </a:r>
+            <a:r>
+              <a:rPr sz="1050" dirty="0">
+                <a:latin typeface="Consolas" panose="020B0609020204030204" pitchFamily="49" charset="0"/>
+                <a:cs typeface="Calibri"/>
+              </a:rPr>
+              <a:t> </a:t>
+            </a:r>
+            <a:r>
+              <a:rPr sz="1050" spc="-5" dirty="0">
+                <a:latin typeface="Consolas" panose="020B0609020204030204" pitchFamily="49" charset="0"/>
+                <a:cs typeface="Calibri"/>
+              </a:rPr>
+              <a:t>à</a:t>
+            </a:r>
+            <a:r>
+              <a:rPr sz="1050" spc="20" dirty="0">
+                <a:latin typeface="Consolas" panose="020B0609020204030204" pitchFamily="49" charset="0"/>
+                <a:cs typeface="Calibri"/>
+              </a:rPr>
+              <a:t> </a:t>
+            </a:r>
+            <a:r>
+              <a:rPr sz="1050" spc="-15" dirty="0">
+                <a:latin typeface="Consolas" panose="020B0609020204030204" pitchFamily="49" charset="0"/>
+                <a:cs typeface="Calibri"/>
+              </a:rPr>
+              <a:t>un</a:t>
+            </a:r>
+            <a:r>
+              <a:rPr sz="1050" dirty="0">
+                <a:latin typeface="Consolas" panose="020B0609020204030204" pitchFamily="49" charset="0"/>
+                <a:cs typeface="Calibri"/>
+              </a:rPr>
+              <a:t> </a:t>
+            </a:r>
+            <a:r>
+              <a:rPr sz="1050" spc="-10" dirty="0">
+                <a:latin typeface="Consolas" panose="020B0609020204030204" pitchFamily="49" charset="0"/>
+                <a:cs typeface="Calibri"/>
+              </a:rPr>
+              <a:t>mot</a:t>
+            </a:r>
+            <a:r>
+              <a:rPr lang="fr-FR" sz="1050" spc="-10" dirty="0">
+                <a:latin typeface="Consolas" panose="020B0609020204030204" pitchFamily="49" charset="0"/>
+                <a:cs typeface="Calibri"/>
+              </a:rPr>
+              <a:t>.</a:t>
+            </a:r>
+            <a:endParaRPr sz="1050" dirty="0">
+              <a:latin typeface="Consolas" panose="020B0609020204030204" pitchFamily="49" charset="0"/>
+              <a:cs typeface="Calibri"/>
+            </a:endParaRPr>
+          </a:p>
+          <a:p>
+            <a:pPr marL="12700" algn="just">
+              <a:lnSpc>
+                <a:spcPct val="100000"/>
+              </a:lnSpc>
+              <a:spcBef>
+                <a:spcPts val="120"/>
+              </a:spcBef>
+            </a:pPr>
+            <a:r>
+              <a:rPr sz="1050" spc="-5" dirty="0">
+                <a:latin typeface="Consolas" panose="020B0609020204030204" pitchFamily="49" charset="0"/>
+                <a:cs typeface="Cambria Math"/>
+              </a:rPr>
+              <a:t>𝑧</a:t>
+            </a:r>
+            <a:r>
+              <a:rPr sz="1050" spc="20" dirty="0">
+                <a:latin typeface="Consolas" panose="020B0609020204030204" pitchFamily="49" charset="0"/>
+                <a:cs typeface="Cambria Math"/>
+              </a:rPr>
+              <a:t> </a:t>
+            </a:r>
+            <a:r>
+              <a:rPr sz="1050" spc="-5" dirty="0">
+                <a:latin typeface="Consolas" panose="020B0609020204030204" pitchFamily="49" charset="0"/>
+                <a:cs typeface="Calibri"/>
+              </a:rPr>
+              <a:t>:</a:t>
+            </a:r>
+            <a:r>
+              <a:rPr sz="1050" spc="-25" dirty="0">
+                <a:latin typeface="Consolas" panose="020B0609020204030204" pitchFamily="49" charset="0"/>
+                <a:cs typeface="Calibri"/>
+              </a:rPr>
+              <a:t> </a:t>
+            </a:r>
+            <a:r>
+              <a:rPr sz="1050" spc="-5" dirty="0">
+                <a:latin typeface="Consolas" panose="020B0609020204030204" pitchFamily="49" charset="0"/>
+                <a:cs typeface="Calibri"/>
+              </a:rPr>
+              <a:t>Distribution</a:t>
+            </a:r>
+            <a:r>
+              <a:rPr sz="1050" spc="10" dirty="0">
+                <a:latin typeface="Consolas" panose="020B0609020204030204" pitchFamily="49" charset="0"/>
+                <a:cs typeface="Calibri"/>
+              </a:rPr>
+              <a:t> </a:t>
+            </a:r>
+            <a:r>
+              <a:rPr sz="1050" spc="-5" dirty="0">
+                <a:latin typeface="Consolas" panose="020B0609020204030204" pitchFamily="49" charset="0"/>
+                <a:cs typeface="Calibri"/>
+              </a:rPr>
+              <a:t>d’un</a:t>
+            </a:r>
+            <a:r>
+              <a:rPr sz="1050" dirty="0">
+                <a:latin typeface="Consolas" panose="020B0609020204030204" pitchFamily="49" charset="0"/>
+                <a:cs typeface="Calibri"/>
+              </a:rPr>
+              <a:t> </a:t>
+            </a:r>
+            <a:r>
+              <a:rPr sz="1050" spc="-5" dirty="0">
+                <a:latin typeface="Consolas" panose="020B0609020204030204" pitchFamily="49" charset="0"/>
+                <a:cs typeface="Calibri"/>
+              </a:rPr>
+              <a:t>topic</a:t>
+            </a:r>
+            <a:r>
+              <a:rPr sz="1050" spc="-20" dirty="0">
+                <a:latin typeface="Consolas" panose="020B0609020204030204" pitchFamily="49" charset="0"/>
+                <a:cs typeface="Calibri"/>
+              </a:rPr>
+              <a:t> </a:t>
+            </a:r>
+            <a:r>
+              <a:rPr sz="1050" spc="-5" dirty="0">
+                <a:latin typeface="Consolas" panose="020B0609020204030204" pitchFamily="49" charset="0"/>
+                <a:cs typeface="Calibri"/>
+              </a:rPr>
+              <a:t>pour</a:t>
+            </a:r>
+            <a:r>
+              <a:rPr sz="1050" spc="10" dirty="0">
+                <a:latin typeface="Consolas" panose="020B0609020204030204" pitchFamily="49" charset="0"/>
+                <a:cs typeface="Calibri"/>
+              </a:rPr>
+              <a:t> </a:t>
+            </a:r>
+            <a:r>
+              <a:rPr sz="1050" spc="-15" dirty="0">
+                <a:latin typeface="Consolas" panose="020B0609020204030204" pitchFamily="49" charset="0"/>
+                <a:cs typeface="Calibri"/>
+              </a:rPr>
+              <a:t>un</a:t>
+            </a:r>
+            <a:r>
+              <a:rPr sz="1050" dirty="0">
+                <a:latin typeface="Consolas" panose="020B0609020204030204" pitchFamily="49" charset="0"/>
+                <a:cs typeface="Calibri"/>
+              </a:rPr>
+              <a:t> </a:t>
+            </a:r>
+            <a:r>
+              <a:rPr sz="1050" spc="-10" dirty="0">
+                <a:latin typeface="Consolas" panose="020B0609020204030204" pitchFamily="49" charset="0"/>
+                <a:cs typeface="Calibri"/>
+              </a:rPr>
+              <a:t>mot</a:t>
+            </a:r>
+            <a:r>
+              <a:rPr lang="fr-FR" sz="1050" spc="-10" dirty="0">
+                <a:latin typeface="Consolas" panose="020B0609020204030204" pitchFamily="49" charset="0"/>
+                <a:cs typeface="Calibri"/>
+              </a:rPr>
+              <a:t>.</a:t>
+            </a:r>
+            <a:endParaRPr sz="1050" dirty="0">
+              <a:latin typeface="Consolas" panose="020B0609020204030204" pitchFamily="49" charset="0"/>
+              <a:cs typeface="Calibri"/>
+            </a:endParaRPr>
+          </a:p>
+          <a:p>
+            <a:pPr marL="12700" algn="just">
+              <a:lnSpc>
+                <a:spcPct val="100000"/>
+              </a:lnSpc>
+              <a:spcBef>
+                <a:spcPts val="120"/>
+              </a:spcBef>
+            </a:pPr>
+            <a:r>
+              <a:rPr sz="1050" spc="-5" dirty="0">
+                <a:latin typeface="Consolas" panose="020B0609020204030204" pitchFamily="49" charset="0"/>
+                <a:cs typeface="Cambria Math"/>
+              </a:rPr>
+              <a:t>𝑤:</a:t>
+            </a:r>
+            <a:r>
+              <a:rPr sz="1050" spc="-20" dirty="0">
+                <a:latin typeface="Consolas" panose="020B0609020204030204" pitchFamily="49" charset="0"/>
+                <a:cs typeface="Cambria Math"/>
+              </a:rPr>
+              <a:t> </a:t>
+            </a:r>
+            <a:r>
+              <a:rPr sz="1050" dirty="0">
+                <a:latin typeface="Consolas" panose="020B0609020204030204" pitchFamily="49" charset="0"/>
+                <a:cs typeface="Calibri"/>
+              </a:rPr>
+              <a:t>Mot</a:t>
+            </a:r>
+            <a:r>
+              <a:rPr lang="fr-FR" sz="1050" dirty="0">
+                <a:latin typeface="Consolas" panose="020B0609020204030204" pitchFamily="49" charset="0"/>
+                <a:cs typeface="Calibri"/>
+              </a:rPr>
+              <a:t>.</a:t>
+            </a:r>
+            <a:endParaRPr sz="1050" dirty="0">
+              <a:latin typeface="Consolas" panose="020B0609020204030204" pitchFamily="49" charset="0"/>
+              <a:cs typeface="Calibri"/>
+            </a:endParaRPr>
+          </a:p>
+        </p:txBody>
+      </p:sp>
+      <p:sp>
+        <p:nvSpPr>
+          <p:cNvPr id="8" name="Slide Number Placeholder 9">
+            <a:extLst>
+              <a:ext uri="{FF2B5EF4-FFF2-40B4-BE49-F238E27FC236}">
+                <a16:creationId xmlns:a16="http://schemas.microsoft.com/office/drawing/2014/main" id="{E0D68847-B540-7ED2-4A26-241E83335CC1}"/>
+              </a:ext>
+            </a:extLst>
+          </p:cNvPr>
+          <p:cNvSpPr txBox="1">
+            <a:spLocks/>
+          </p:cNvSpPr>
+          <p:nvPr/>
+        </p:nvSpPr>
+        <p:spPr>
+          <a:xfrm>
+            <a:off x="3520438" y="4937125"/>
+            <a:ext cx="2103120" cy="200055"/>
+          </a:xfrm>
+          <a:prstGeom prst="rect">
+            <a:avLst/>
+          </a:prstGeom>
+        </p:spPr>
+        <p:txBody>
+          <a:bodyPr wrap="square" lIns="0" tIns="0" rIns="0" bIns="0">
+            <a:spAutoFit/>
+          </a:bodyPr>
+          <a:lstStyle>
+            <a:defPPr>
+              <a:defRPr lang="fr-FR"/>
+            </a:defPPr>
+            <a:lvl1pPr marL="0" algn="r" defTabSz="914400" rtl="0" eaLnBrk="1" latinLnBrk="0" hangingPunct="1">
+              <a:defRPr sz="1800" kern="1200">
+                <a:solidFill>
+                  <a:schemeClr val="tx1">
+                    <a:tint val="75000"/>
+                  </a:schemeClr>
+                </a:solidFill>
+                <a:latin typeface="+mn-lt"/>
+                <a:ea typeface="+mn-ea"/>
+                <a:cs typeface="+mn-cs"/>
+              </a:defRPr>
+            </a:lvl1pPr>
+            <a:lvl2pPr marL="457200" algn="l" defTabSz="914400" rtl="0" eaLnBrk="1" latinLnBrk="0" hangingPunct="1">
+              <a:defRPr sz="1800" kern="1200">
+                <a:solidFill>
+                  <a:schemeClr val="tx1"/>
+                </a:solidFill>
+                <a:latin typeface="+mn-lt"/>
+                <a:ea typeface="+mn-ea"/>
+                <a:cs typeface="+mn-cs"/>
+              </a:defRPr>
+            </a:lvl2pPr>
+            <a:lvl3pPr marL="914400" algn="l" defTabSz="914400" rtl="0" eaLnBrk="1" latinLnBrk="0" hangingPunct="1">
+              <a:defRPr sz="1800" kern="1200">
+                <a:solidFill>
+                  <a:schemeClr val="tx1"/>
+                </a:solidFill>
+                <a:latin typeface="+mn-lt"/>
+                <a:ea typeface="+mn-ea"/>
+                <a:cs typeface="+mn-cs"/>
+              </a:defRPr>
+            </a:lvl3pPr>
+            <a:lvl4pPr marL="1371600" algn="l" defTabSz="914400" rtl="0" eaLnBrk="1" latinLnBrk="0" hangingPunct="1">
+              <a:defRPr sz="1800" kern="1200">
+                <a:solidFill>
+                  <a:schemeClr val="tx1"/>
+                </a:solidFill>
+                <a:latin typeface="+mn-lt"/>
+                <a:ea typeface="+mn-ea"/>
+                <a:cs typeface="+mn-cs"/>
+              </a:defRPr>
+            </a:lvl4pPr>
+            <a:lvl5pPr marL="1828800" algn="l" defTabSz="914400" rtl="0" eaLnBrk="1" latinLnBrk="0" hangingPunct="1">
+              <a:defRPr sz="1800" kern="1200">
+                <a:solidFill>
+                  <a:schemeClr val="tx1"/>
+                </a:solidFill>
+                <a:latin typeface="+mn-lt"/>
+                <a:ea typeface="+mn-ea"/>
+                <a:cs typeface="+mn-cs"/>
+              </a:defRPr>
+            </a:lvl5pPr>
+            <a:lvl6pPr marL="2286000" algn="l" defTabSz="914400" rtl="0" eaLnBrk="1" latinLnBrk="0" hangingPunct="1">
+              <a:defRPr sz="1800" kern="1200">
+                <a:solidFill>
+                  <a:schemeClr val="tx1"/>
+                </a:solidFill>
+                <a:latin typeface="+mn-lt"/>
+                <a:ea typeface="+mn-ea"/>
+                <a:cs typeface="+mn-cs"/>
+              </a:defRPr>
+            </a:lvl6pPr>
+            <a:lvl7pPr marL="2743200" algn="l" defTabSz="914400" rtl="0" eaLnBrk="1" latinLnBrk="0" hangingPunct="1">
+              <a:defRPr sz="1800" kern="1200">
+                <a:solidFill>
+                  <a:schemeClr val="tx1"/>
+                </a:solidFill>
+                <a:latin typeface="+mn-lt"/>
+                <a:ea typeface="+mn-ea"/>
+                <a:cs typeface="+mn-cs"/>
+              </a:defRPr>
+            </a:lvl7pPr>
+            <a:lvl8pPr marL="3200400" algn="l" defTabSz="914400" rtl="0" eaLnBrk="1" latinLnBrk="0" hangingPunct="1">
+              <a:defRPr sz="1800" kern="1200">
+                <a:solidFill>
+                  <a:schemeClr val="tx1"/>
+                </a:solidFill>
+                <a:latin typeface="+mn-lt"/>
+                <a:ea typeface="+mn-ea"/>
+                <a:cs typeface="+mn-cs"/>
+              </a:defRPr>
+            </a:lvl8pPr>
+            <a:lvl9pPr marL="3657600" algn="l" defTabSz="914400" rtl="0" eaLnBrk="1" latinLnBrk="0" hangingPunct="1">
+              <a:defRPr sz="1800" kern="1200">
+                <a:solidFill>
+                  <a:schemeClr val="tx1"/>
+                </a:solidFill>
+                <a:latin typeface="+mn-lt"/>
+                <a:ea typeface="+mn-ea"/>
+                <a:cs typeface="+mn-cs"/>
+              </a:defRPr>
+            </a:lvl9pPr>
+          </a:lstStyle>
+          <a:p>
+            <a:pPr algn="ctr"/>
+            <a:fld id="{B6F15528-21DE-4FAA-801E-634DDDAF4B2B}" type="slidenum">
+              <a:rPr lang="en-US" sz="1300" b="1" smtClean="0">
+                <a:solidFill>
+                  <a:schemeClr val="bg1"/>
+                </a:solidFill>
+              </a:rPr>
+              <a:pPr algn="ctr"/>
+              <a:t>20</a:t>
+            </a:fld>
+            <a:endParaRPr lang="en-US" sz="1300" b="1" dirty="0">
+              <a:solidFill>
+                <a:schemeClr val="bg1"/>
+              </a:solidFill>
+            </a:endParaRPr>
+          </a:p>
+        </p:txBody>
+      </p:sp>
+      <p:pic>
+        <p:nvPicPr>
+          <p:cNvPr id="10" name="object 4">
+            <a:extLst>
+              <a:ext uri="{FF2B5EF4-FFF2-40B4-BE49-F238E27FC236}">
+                <a16:creationId xmlns:a16="http://schemas.microsoft.com/office/drawing/2014/main" id="{2D4A01F9-7F0A-0A17-29F7-1C5AEF61A1E1}"/>
+              </a:ext>
+            </a:extLst>
+          </p:cNvPr>
+          <p:cNvPicPr/>
+          <p:nvPr/>
+        </p:nvPicPr>
+        <p:blipFill>
+          <a:blip r:embed="rId2" cstate="print"/>
+          <a:stretch>
+            <a:fillRect/>
+          </a:stretch>
+        </p:blipFill>
+        <p:spPr>
+          <a:xfrm>
+            <a:off x="4953000" y="2597694"/>
+            <a:ext cx="3395979" cy="1778000"/>
+          </a:xfrm>
+          <a:prstGeom prst="rect">
+            <a:avLst/>
+          </a:prstGeom>
+        </p:spPr>
+      </p:pic>
+      <p:sp>
+        <p:nvSpPr>
+          <p:cNvPr id="2" name="object 3">
+            <a:extLst>
+              <a:ext uri="{FF2B5EF4-FFF2-40B4-BE49-F238E27FC236}">
+                <a16:creationId xmlns:a16="http://schemas.microsoft.com/office/drawing/2014/main" id="{64DFF202-908F-5FEC-5669-3564ACE9415A}"/>
+              </a:ext>
+            </a:extLst>
+          </p:cNvPr>
+          <p:cNvSpPr txBox="1">
+            <a:spLocks/>
+          </p:cNvSpPr>
+          <p:nvPr/>
+        </p:nvSpPr>
+        <p:spPr>
+          <a:xfrm>
+            <a:off x="152400" y="775746"/>
+            <a:ext cx="9143999" cy="319959"/>
+          </a:xfrm>
+          <a:prstGeom prst="rect">
+            <a:avLst/>
+          </a:prstGeom>
+        </p:spPr>
+        <p:txBody>
+          <a:bodyPr vert="horz" wrap="square" lIns="0" tIns="12065" rIns="0" bIns="0" rtlCol="0">
+            <a:spAutoFit/>
+          </a:bodyPr>
+          <a:lstStyle>
+            <a:lvl1pPr>
+              <a:defRPr sz="2600" b="1" i="0">
+                <a:solidFill>
+                  <a:srgbClr val="404040"/>
+                </a:solidFill>
+                <a:latin typeface="Arial"/>
+                <a:ea typeface="+mj-ea"/>
+                <a:cs typeface="Arial"/>
+              </a:defRPr>
+            </a:lvl1pPr>
+          </a:lstStyle>
+          <a:p>
+            <a:pPr marL="12700" algn="ctr">
+              <a:spcBef>
+                <a:spcPts val="95"/>
+              </a:spcBef>
+            </a:pPr>
+            <a:r>
+              <a:rPr lang="fr-FR" sz="2000" b="0" spc="300" dirty="0">
+                <a:solidFill>
+                  <a:schemeClr val="tx1"/>
+                </a:solidFill>
+                <a:latin typeface="Consolas" panose="020B0609020204030204" pitchFamily="49" charset="0"/>
+              </a:rPr>
+              <a:t>Latent Dirichlet Allocation</a:t>
+            </a:r>
+          </a:p>
+        </p:txBody>
+      </p:sp>
+      <p:sp>
+        <p:nvSpPr>
+          <p:cNvPr id="3" name="TextBox 10">
+            <a:extLst>
+              <a:ext uri="{FF2B5EF4-FFF2-40B4-BE49-F238E27FC236}">
+                <a16:creationId xmlns:a16="http://schemas.microsoft.com/office/drawing/2014/main" id="{C60A2C3A-5E33-106D-1854-0A619C64D869}"/>
+              </a:ext>
+            </a:extLst>
+          </p:cNvPr>
+          <p:cNvSpPr txBox="1"/>
+          <p:nvPr/>
+        </p:nvSpPr>
+        <p:spPr>
+          <a:xfrm>
+            <a:off x="467104" y="1721160"/>
+            <a:ext cx="8209787" cy="830997"/>
+          </a:xfrm>
+          <a:prstGeom prst="rect">
+            <a:avLst/>
+          </a:prstGeom>
+          <a:noFill/>
+        </p:spPr>
+        <p:txBody>
+          <a:bodyPr wrap="square">
+            <a:spAutoFit/>
+          </a:bodyPr>
+          <a:lstStyle/>
+          <a:p>
+            <a:pPr algn="just"/>
+            <a:r>
+              <a:rPr lang="fr-FR" sz="1200" spc="-10" dirty="0">
+                <a:latin typeface="Consolas" panose="020B0609020204030204" pitchFamily="49" charset="0"/>
+                <a:cs typeface="Calibri"/>
+              </a:rPr>
+              <a:t>LDA est un modèle statistique de "topic modeling" qui identifie les sujets clés dans un ensemble de documents en attribuant des distributions de mots aux sujets. Il permet de découvrir les thèmes sous-jacents présents dans les textes grâce à des méthodes d'inférence statistique itératives.</a:t>
+            </a:r>
+          </a:p>
+        </p:txBody>
+      </p:sp>
+    </p:spTree>
+  </p:cSld>
+  <p:clrMapOvr>
+    <a:masterClrMapping/>
+  </p:clrMapOvr>
+</p:sld>
+</file>
+
+<file path=ppt/slides/slide21.xml><?xml version="1.0" encoding="utf-8"?>
 <p:sld xmlns:a="http://schemas.openxmlformats.org/drawingml/2006/main" xmlns:r="http://schemas.openxmlformats.org/officeDocument/2006/relationships" xmlns:p="http://schemas.openxmlformats.org/presentationml/2006/main" showMasterSp="0">
   <p:cSld>
     <p:spTree>
@@ -21596,7 +21851,7 @@
                 </a:solidFill>
               </a:rPr>
               <a:pPr algn="ctr"/>
-              <a:t>20</a:t>
+              <a:t>21</a:t>
             </a:fld>
             <a:endParaRPr lang="en-US" sz="1300" b="1" dirty="0">
               <a:solidFill>
@@ -21840,7 +22095,7 @@
 </p:sld>
 </file>
 
-<file path=ppt/slides/slide21.xml><?xml version="1.0" encoding="utf-8"?>
+<file path=ppt/slides/slide22.xml><?xml version="1.0" encoding="utf-8"?>
 <p:sld xmlns:a="http://schemas.openxmlformats.org/drawingml/2006/main" xmlns:r="http://schemas.openxmlformats.org/officeDocument/2006/relationships" xmlns:p="http://schemas.openxmlformats.org/presentationml/2006/main" showMasterSp="0">
   <p:cSld>
     <p:spTree>
@@ -24388,7 +24643,7 @@
                 </a:solidFill>
               </a:rPr>
               <a:pPr algn="ctr"/>
-              <a:t>21</a:t>
+              <a:t>22</a:t>
             </a:fld>
             <a:endParaRPr lang="en-US" sz="1300" b="1" dirty="0">
               <a:solidFill>
@@ -24463,7 +24718,7 @@
 </p:sld>
 </file>
 
-<file path=ppt/slides/slide22.xml><?xml version="1.0" encoding="utf-8"?>
+<file path=ppt/slides/slide23.xml><?xml version="1.0" encoding="utf-8"?>
 <p:sld xmlns:a="http://schemas.openxmlformats.org/drawingml/2006/main" xmlns:r="http://schemas.openxmlformats.org/officeDocument/2006/relationships" xmlns:p="http://schemas.openxmlformats.org/presentationml/2006/main" showMasterSp="0">
   <p:cSld>
     <p:spTree>
@@ -25043,7 +25298,7 @@
                 </a:solidFill>
               </a:rPr>
               <a:pPr algn="ctr"/>
-              <a:t>22</a:t>
+              <a:t>23</a:t>
             </a:fld>
             <a:endParaRPr lang="en-US" sz="1300" b="1" dirty="0">
               <a:solidFill>
@@ -25217,7 +25472,7 @@
 </p:sld>
 </file>
 
-<file path=ppt/slides/slide23.xml><?xml version="1.0" encoding="utf-8"?>
+<file path=ppt/slides/slide24.xml><?xml version="1.0" encoding="utf-8"?>
 <p:sld xmlns:a="http://schemas.openxmlformats.org/drawingml/2006/main" xmlns:r="http://schemas.openxmlformats.org/officeDocument/2006/relationships" xmlns:p="http://schemas.openxmlformats.org/presentationml/2006/main" showMasterSp="0">
   <p:cSld>
     <p:spTree>
@@ -27848,7 +28103,7 @@
                 </a:solidFill>
               </a:rPr>
               <a:pPr algn="ctr"/>
-              <a:t>23</a:t>
+              <a:t>24</a:t>
             </a:fld>
             <a:endParaRPr lang="en-US" sz="1300" b="1" dirty="0">
               <a:solidFill>
@@ -27928,7 +28183,7 @@
 </p:sld>
 </file>
 
-<file path=ppt/slides/slide24.xml><?xml version="1.0" encoding="utf-8"?>
+<file path=ppt/slides/slide25.xml><?xml version="1.0" encoding="utf-8"?>
 <p:sld xmlns:a="http://schemas.openxmlformats.org/drawingml/2006/main" xmlns:r="http://schemas.openxmlformats.org/officeDocument/2006/relationships" xmlns:p="http://schemas.openxmlformats.org/presentationml/2006/main" showMasterSp="0">
   <p:cSld>
     <p:spTree>
@@ -28125,7 +28380,7 @@
         </p:blipFill>
         <p:spPr>
           <a:xfrm>
-            <a:off x="5146041" y="1762431"/>
+            <a:off x="5146040" y="1422806"/>
             <a:ext cx="3107054" cy="2253849"/>
           </a:xfrm>
           <a:prstGeom prst="rect">
@@ -28372,7 +28627,7 @@
                 </a:solidFill>
               </a:rPr>
               <a:pPr algn="ctr"/>
-              <a:t>24</a:t>
+              <a:t>25</a:t>
             </a:fld>
             <a:endParaRPr lang="en-US" sz="1300" b="1" dirty="0">
               <a:solidFill>
@@ -28464,8 +28719,8 @@
         </p:blipFill>
         <p:spPr>
           <a:xfrm>
-            <a:off x="890905" y="1762431"/>
-            <a:ext cx="2895601" cy="1638715"/>
+            <a:off x="838200" y="1422806"/>
+            <a:ext cx="2895601" cy="1697673"/>
           </a:xfrm>
           <a:prstGeom prst="rect">
             <a:avLst/>
@@ -28486,7 +28741,7 @@
         </p:nvSpPr>
         <p:spPr>
           <a:xfrm>
-            <a:off x="434181" y="4210964"/>
+            <a:off x="446089" y="3846699"/>
             <a:ext cx="3809047" cy="307777"/>
           </a:xfrm>
           <a:prstGeom prst="rect">
@@ -28523,7 +28778,7 @@
         </p:nvSpPr>
         <p:spPr>
           <a:xfrm>
-            <a:off x="4795044" y="4211599"/>
+            <a:off x="4795044" y="3811749"/>
             <a:ext cx="3809047" cy="307777"/>
           </a:xfrm>
           <a:prstGeom prst="rect">
@@ -28562,8 +28817,8 @@
         </p:nvCxnSpPr>
         <p:spPr>
           <a:xfrm>
-            <a:off x="4572000" y="1660525"/>
-            <a:ext cx="0" cy="3048000"/>
+            <a:off x="4572000" y="1573103"/>
+            <a:ext cx="0" cy="2392535"/>
           </a:xfrm>
           <a:prstGeom prst="line">
             <a:avLst/>
@@ -28590,6 +28845,41 @@
           </a:fontRef>
         </p:style>
       </p:cxnSp>
+      <p:sp>
+        <p:nvSpPr>
+          <p:cNvPr id="12" name="ZoneTexte 11">
+            <a:extLst>
+              <a:ext uri="{FF2B5EF4-FFF2-40B4-BE49-F238E27FC236}">
+                <a16:creationId xmlns:a16="http://schemas.microsoft.com/office/drawing/2014/main" id="{29043A47-EEA1-44B1-EE78-8677B5005B41}"/>
+              </a:ext>
+            </a:extLst>
+          </p:cNvPr>
+          <p:cNvSpPr txBox="1"/>
+          <p:nvPr/>
+        </p:nvSpPr>
+        <p:spPr>
+          <a:xfrm>
+            <a:off x="1042591" y="4389181"/>
+            <a:ext cx="7058811" cy="369332"/>
+          </a:xfrm>
+          <a:prstGeom prst="rect">
+            <a:avLst/>
+          </a:prstGeom>
+          <a:noFill/>
+        </p:spPr>
+        <p:txBody>
+          <a:bodyPr wrap="square">
+            <a:spAutoFit/>
+          </a:bodyPr>
+          <a:lstStyle/>
+          <a:p>
+            <a:r>
+              <a:rPr lang="fr-FR" dirty="0"/>
+              <a:t>https://github.com/theNorthman811/Stack_Overflow_tags_suggestion</a:t>
+            </a:r>
+          </a:p>
+        </p:txBody>
+      </p:sp>
     </p:spTree>
   </p:cSld>
   <p:clrMapOvr>

--- a/BELGHAZI_SEDDIK_5_presentation_072023.pptx
+++ b/BELGHAZI_SEDDIK_5_presentation_072023.pptx
@@ -5917,7 +5917,7 @@
           <a:p>
             <a:fld id="{6FCE60CF-78AD-4089-AEDC-A7791BA418B1}" type="datetimeFigureOut">
               <a:rPr lang="en-US" smtClean="0"/>
-              <a:t>8/4/2023</a:t>
+              <a:t>8/5/2023</a:t>
             </a:fld>
             <a:endParaRPr lang="en-US"/>
           </a:p>
@@ -16353,10 +16353,10 @@
       </p:sp>
       <p:pic>
         <p:nvPicPr>
-          <p:cNvPr id="1028" name="Picture 4">
+          <p:cNvPr id="1026" name="Picture 2">
             <a:extLst>
               <a:ext uri="{FF2B5EF4-FFF2-40B4-BE49-F238E27FC236}">
-                <a16:creationId xmlns:a16="http://schemas.microsoft.com/office/drawing/2014/main" id="{BC72647D-8728-5376-1E64-81532B50DA71}"/>
+                <a16:creationId xmlns:a16="http://schemas.microsoft.com/office/drawing/2014/main" id="{204029E8-24CD-E235-41B5-9DC4EF1E25CC}"/>
               </a:ext>
             </a:extLst>
           </p:cNvPr>
@@ -16380,8 +16380,8 @@
         </p:blipFill>
         <p:spPr bwMode="auto">
           <a:xfrm>
-            <a:off x="598564" y="543566"/>
-            <a:ext cx="7707235" cy="3640136"/>
+            <a:off x="762000" y="517830"/>
+            <a:ext cx="7162800" cy="3554042"/>
           </a:xfrm>
           <a:prstGeom prst="rect">
             <a:avLst/>
